--- a/Linux and Unix/Unit 3.pptx
+++ b/Linux and Unix/Unit 3.pptx
@@ -1,32 +1,32 @@
 
 <file path=ppt/presentation.xml><?xml version="1.0" encoding="utf-8"?>
-<p:presentation xmlns:a="http://schemas.openxmlformats.org/drawingml/2006/main" xmlns:r="http://schemas.openxmlformats.org/officeDocument/2006/relationships" xmlns:p="http://schemas.openxmlformats.org/presentationml/2006/main" saveSubsetFonts="1">
+<p:presentation xmlns:a="http://schemas.openxmlformats.org/drawingml/2006/main" xmlns:r="http://schemas.openxmlformats.org/officeDocument/2006/relationships" xmlns:p="http://schemas.openxmlformats.org/presentationml/2006/main">
   <p:sldMasterIdLst>
     <p:sldMasterId id="2147483648" r:id="rId1"/>
   </p:sldMasterIdLst>
   <p:sldIdLst>
-    <p:sldId id="257" r:id="rId2"/>
-    <p:sldId id="256" r:id="rId3"/>
-    <p:sldId id="258" r:id="rId4"/>
-    <p:sldId id="259" r:id="rId5"/>
-    <p:sldId id="260" r:id="rId6"/>
-    <p:sldId id="261" r:id="rId7"/>
-    <p:sldId id="262" r:id="rId8"/>
-    <p:sldId id="263" r:id="rId9"/>
-    <p:sldId id="264" r:id="rId10"/>
-    <p:sldId id="265" r:id="rId11"/>
-    <p:sldId id="266" r:id="rId12"/>
-    <p:sldId id="267" r:id="rId13"/>
-    <p:sldId id="268" r:id="rId14"/>
-    <p:sldId id="269" r:id="rId15"/>
-    <p:sldId id="270" r:id="rId16"/>
-    <p:sldId id="271" r:id="rId17"/>
-    <p:sldId id="273" r:id="rId18"/>
-    <p:sldId id="272" r:id="rId19"/>
-    <p:sldId id="274" r:id="rId20"/>
-    <p:sldId id="275" r:id="rId21"/>
-    <p:sldId id="276" r:id="rId22"/>
-    <p:sldId id="277" r:id="rId23"/>
+    <p:sldId id="257" r:id="rId3"/>
+    <p:sldId id="256" r:id="rId4"/>
+    <p:sldId id="258" r:id="rId5"/>
+    <p:sldId id="259" r:id="rId6"/>
+    <p:sldId id="260" r:id="rId7"/>
+    <p:sldId id="261" r:id="rId8"/>
+    <p:sldId id="262" r:id="rId9"/>
+    <p:sldId id="263" r:id="rId10"/>
+    <p:sldId id="264" r:id="rId11"/>
+    <p:sldId id="265" r:id="rId12"/>
+    <p:sldId id="266" r:id="rId13"/>
+    <p:sldId id="267" r:id="rId14"/>
+    <p:sldId id="268" r:id="rId15"/>
+    <p:sldId id="269" r:id="rId16"/>
+    <p:sldId id="270" r:id="rId17"/>
+    <p:sldId id="271" r:id="rId18"/>
+    <p:sldId id="273" r:id="rId19"/>
+    <p:sldId id="272" r:id="rId20"/>
+    <p:sldId id="274" r:id="rId21"/>
+    <p:sldId id="275" r:id="rId22"/>
+    <p:sldId id="276" r:id="rId23"/>
+    <p:sldId id="277" r:id="rId24"/>
   </p:sldIdLst>
   <p:sldSz cx="12192000" cy="6858000"/>
   <p:notesSz cx="6858000" cy="9144000"/>
@@ -125,115 +125,7 @@
       </a:defRPr>
     </a:lvl9pPr>
   </p:defaultTextStyle>
-  <p:extLst>
-    <p:ext uri="{EFAFB233-063F-42B5-8137-9DF3F51BA10A}">
-      <p15:sldGuideLst xmlns:p15="http://schemas.microsoft.com/office/powerpoint/2012/main">
-        <p15:guide id="1" orient="horz" pos="2160" userDrawn="1">
-          <p15:clr>
-            <a:srgbClr val="A4A3A4"/>
-          </p15:clr>
-        </p15:guide>
-        <p15:guide id="2" pos="3840" userDrawn="1">
-          <p15:clr>
-            <a:srgbClr val="A4A3A4"/>
-          </p15:clr>
-        </p15:guide>
-      </p15:sldGuideLst>
-    </p:ext>
-  </p:extLst>
 </p:presentation>
-</file>
-
-<file path=ppt/authors.xml><?xml version="1.0" encoding="utf-8"?>
-<p188:authorLst xmlns:a="http://schemas.openxmlformats.org/drawingml/2006/main" xmlns:r="http://schemas.openxmlformats.org/officeDocument/2006/relationships" xmlns:p188="http://schemas.microsoft.com/office/powerpoint/2018/8/main">
-  <p188:author id="{F546BDE5-950C-766E-D6A1-E8BE00F2FC6A}" name="ATHARVA SHAH  (Student)" initials="AS(" userId="S::atharva.shah@deccansociety.org::dbbf3d5e-927d-4e7c-a34d-ba6a8ff022a5" providerId="AD"/>
-</p188:authorLst>
-</file>
-
-<file path=ppt/comments/modernComment_103_2AAC38B1.xml><?xml version="1.0" encoding="utf-8"?>
-<p188:cmLst xmlns:a="http://schemas.openxmlformats.org/drawingml/2006/main" xmlns:r="http://schemas.openxmlformats.org/officeDocument/2006/relationships" xmlns:p188="http://schemas.microsoft.com/office/powerpoint/2018/8/main">
-  <p188:cm id="{6DC52EEF-C66E-466D-B001-EF56FB467C94}" authorId="{F546BDE5-950C-766E-D6A1-E8BE00F2FC6A}" created="2023-03-13T04:02:26.297">
-    <pc:sldMkLst xmlns:pc="http://schemas.microsoft.com/office/powerpoint/2013/main/command">
-      <pc:docMk/>
-      <pc:sldMk cId="715929777" sldId="259"/>
-    </pc:sldMkLst>
-    <p188:txBody>
-      <a:bodyPr/>
-      <a:lstStyle/>
-      <a:p>
-        <a:r>
-          <a:rPr lang="en-US"/>
-          <a:t>Explain File System in Detail with Tree Diagram</a:t>
-        </a:r>
-      </a:p>
-    </p188:txBody>
-  </p188:cm>
-</p188:cmLst>
-</file>
-
-<file path=ppt/comments/modernComment_109_DF2191F3.xml><?xml version="1.0" encoding="utf-8"?>
-<p188:cmLst xmlns:a="http://schemas.openxmlformats.org/drawingml/2006/main" xmlns:r="http://schemas.openxmlformats.org/officeDocument/2006/relationships" xmlns:p188="http://schemas.microsoft.com/office/powerpoint/2018/8/main">
-  <p188:cm id="{1DACF030-360F-4F4A-B7AE-BAA18667B4C9}" authorId="{F546BDE5-950C-766E-D6A1-E8BE00F2FC6A}" created="2023-03-13T04:02:50.486">
-    <pc:sldMkLst xmlns:pc="http://schemas.microsoft.com/office/powerpoint/2013/main/command">
-      <pc:docMk/>
-      <pc:sldMk cId="3743519219" sldId="265"/>
-    </pc:sldMkLst>
-    <p188:txBody>
-      <a:bodyPr/>
-      <a:lstStyle/>
-      <a:p>
-        <a:r>
-          <a:rPr lang="en-US"/>
-          <a:t>Explain file system mounting and unmounting</a:t>
-        </a:r>
-      </a:p>
-    </p188:txBody>
-  </p188:cm>
-</p188:cmLst>
-</file>
-
-<file path=ppt/comments/modernComment_10E_D60805E9.xml><?xml version="1.0" encoding="utf-8"?>
-<p188:cmLst xmlns:a="http://schemas.openxmlformats.org/drawingml/2006/main" xmlns:r="http://schemas.openxmlformats.org/officeDocument/2006/relationships" xmlns:p188="http://schemas.microsoft.com/office/powerpoint/2018/8/main">
-  <p188:cm id="{959E0731-427C-457E-A70C-367AA519BDDC}" authorId="{F546BDE5-950C-766E-D6A1-E8BE00F2FC6A}" created="2023-03-13T04:09:56.616">
-    <pc:sldMkLst xmlns:pc="http://schemas.microsoft.com/office/powerpoint/2013/main/command">
-      <pc:docMk/>
-      <pc:sldMk cId="3590850025" sldId="270"/>
-    </pc:sldMkLst>
-    <p188:txBody>
-      <a:bodyPr/>
-      <a:lstStyle/>
-      <a:p>
-        <a:r>
-          <a:rPr lang="en-US"/>
-          <a:t>What is a File? What are attributes and types of Files?
-</a:t>
-        </a:r>
-      </a:p>
-    </p188:txBody>
-  </p188:cm>
-</p188:cmLst>
-</file>
-
-<file path=ppt/comments/modernComment_114_2FA5FA20.xml><?xml version="1.0" encoding="utf-8"?>
-<p188:cmLst xmlns:a="http://schemas.openxmlformats.org/drawingml/2006/main" xmlns:r="http://schemas.openxmlformats.org/officeDocument/2006/relationships" xmlns:p188="http://schemas.microsoft.com/office/powerpoint/2018/8/main">
-  <p188:cm id="{687E6579-4022-4262-84CD-BF7B065BC1A3}" authorId="{F546BDE5-950C-766E-D6A1-E8BE00F2FC6A}" created="2023-03-13T04:09:34.001">
-    <pc:sldMkLst xmlns:pc="http://schemas.microsoft.com/office/powerpoint/2013/main/command">
-      <pc:docMk/>
-      <pc:sldMk cId="799406624" sldId="276"/>
-    </pc:sldMkLst>
-    <p188:txBody>
-      <a:bodyPr/>
-      <a:lstStyle/>
-      <a:p>
-        <a:r>
-          <a:rPr lang="en-US"/>
-          <a:t>Short Note on Access Control List
-</a:t>
-        </a:r>
-      </a:p>
-    </p188:txBody>
-  </p188:cm>
-</p188:cmLst>
 </file>
 
 <file path=ppt/slideLayouts/slideLayout1.xml><?xml version="1.0" encoding="utf-8"?>
@@ -367,7 +259,6 @@
           <a:p>
             <a:fld id="{09C21532-C5AF-4134-B772-6428EF31DF31}" type="datetimeFigureOut">
               <a:rPr lang="en-IN" smtClean="0"/>
-              <a:t>15-03-2023</a:t>
             </a:fld>
             <a:endParaRPr lang="en-IN"/>
           </a:p>
@@ -409,18 +300,12 @@
           <a:p>
             <a:fld id="{683DD2C4-DF1D-4C41-BCC0-F5B9AB521163}" type="slidenum">
               <a:rPr lang="en-IN" smtClean="0"/>
-              <a:t>‹#›</a:t>
             </a:fld>
             <a:endParaRPr lang="en-IN"/>
           </a:p>
         </p:txBody>
       </p:sp>
     </p:spTree>
-    <p:extLst>
-      <p:ext uri="{BB962C8B-B14F-4D97-AF65-F5344CB8AC3E}">
-        <p14:creationId xmlns:p14="http://schemas.microsoft.com/office/powerpoint/2010/main" val="2836692688"/>
-      </p:ext>
-    </p:extLst>
   </p:cSld>
   <p:clrMapOvr>
     <a:masterClrMapping/>
@@ -488,6 +373,7 @@
               <a:rPr lang="en-US"/>
               <a:t>Click to edit Master text styles</a:t>
             </a:r>
+            <a:endParaRPr lang="en-US"/>
           </a:p>
           <a:p>
             <a:pPr lvl="1"/>
@@ -495,6 +381,7 @@
               <a:rPr lang="en-US"/>
               <a:t>Second level</a:t>
             </a:r>
+            <a:endParaRPr lang="en-US"/>
           </a:p>
           <a:p>
             <a:pPr lvl="2"/>
@@ -502,6 +389,7 @@
               <a:rPr lang="en-US"/>
               <a:t>Third level</a:t>
             </a:r>
+            <a:endParaRPr lang="en-US"/>
           </a:p>
           <a:p>
             <a:pPr lvl="3"/>
@@ -509,6 +397,7 @@
               <a:rPr lang="en-US"/>
               <a:t>Fourth level</a:t>
             </a:r>
+            <a:endParaRPr lang="en-US"/>
           </a:p>
           <a:p>
             <a:pPr lvl="4"/>
@@ -537,7 +426,6 @@
           <a:p>
             <a:fld id="{09C21532-C5AF-4134-B772-6428EF31DF31}" type="datetimeFigureOut">
               <a:rPr lang="en-IN" smtClean="0"/>
-              <a:t>15-03-2023</a:t>
             </a:fld>
             <a:endParaRPr lang="en-IN"/>
           </a:p>
@@ -579,18 +467,12 @@
           <a:p>
             <a:fld id="{683DD2C4-DF1D-4C41-BCC0-F5B9AB521163}" type="slidenum">
               <a:rPr lang="en-IN" smtClean="0"/>
-              <a:t>‹#›</a:t>
             </a:fld>
             <a:endParaRPr lang="en-IN"/>
           </a:p>
         </p:txBody>
       </p:sp>
     </p:spTree>
-    <p:extLst>
-      <p:ext uri="{BB962C8B-B14F-4D97-AF65-F5344CB8AC3E}">
-        <p14:creationId xmlns:p14="http://schemas.microsoft.com/office/powerpoint/2010/main" val="1762252193"/>
-      </p:ext>
-    </p:extLst>
   </p:cSld>
   <p:clrMapOvr>
     <a:masterClrMapping/>
@@ -668,6 +550,7 @@
               <a:rPr lang="en-US"/>
               <a:t>Click to edit Master text styles</a:t>
             </a:r>
+            <a:endParaRPr lang="en-US"/>
           </a:p>
           <a:p>
             <a:pPr lvl="1"/>
@@ -675,6 +558,7 @@
               <a:rPr lang="en-US"/>
               <a:t>Second level</a:t>
             </a:r>
+            <a:endParaRPr lang="en-US"/>
           </a:p>
           <a:p>
             <a:pPr lvl="2"/>
@@ -682,6 +566,7 @@
               <a:rPr lang="en-US"/>
               <a:t>Third level</a:t>
             </a:r>
+            <a:endParaRPr lang="en-US"/>
           </a:p>
           <a:p>
             <a:pPr lvl="3"/>
@@ -689,6 +574,7 @@
               <a:rPr lang="en-US"/>
               <a:t>Fourth level</a:t>
             </a:r>
+            <a:endParaRPr lang="en-US"/>
           </a:p>
           <a:p>
             <a:pPr lvl="4"/>
@@ -717,7 +603,6 @@
           <a:p>
             <a:fld id="{09C21532-C5AF-4134-B772-6428EF31DF31}" type="datetimeFigureOut">
               <a:rPr lang="en-IN" smtClean="0"/>
-              <a:t>15-03-2023</a:t>
             </a:fld>
             <a:endParaRPr lang="en-IN"/>
           </a:p>
@@ -759,18 +644,12 @@
           <a:p>
             <a:fld id="{683DD2C4-DF1D-4C41-BCC0-F5B9AB521163}" type="slidenum">
               <a:rPr lang="en-IN" smtClean="0"/>
-              <a:t>‹#›</a:t>
             </a:fld>
             <a:endParaRPr lang="en-IN"/>
           </a:p>
         </p:txBody>
       </p:sp>
     </p:spTree>
-    <p:extLst>
-      <p:ext uri="{BB962C8B-B14F-4D97-AF65-F5344CB8AC3E}">
-        <p14:creationId xmlns:p14="http://schemas.microsoft.com/office/powerpoint/2010/main" val="512986424"/>
-      </p:ext>
-    </p:extLst>
   </p:cSld>
   <p:clrMapOvr>
     <a:masterClrMapping/>
@@ -838,6 +717,7 @@
               <a:rPr lang="en-US"/>
               <a:t>Click to edit Master text styles</a:t>
             </a:r>
+            <a:endParaRPr lang="en-US"/>
           </a:p>
           <a:p>
             <a:pPr lvl="1"/>
@@ -845,6 +725,7 @@
               <a:rPr lang="en-US"/>
               <a:t>Second level</a:t>
             </a:r>
+            <a:endParaRPr lang="en-US"/>
           </a:p>
           <a:p>
             <a:pPr lvl="2"/>
@@ -852,6 +733,7 @@
               <a:rPr lang="en-US"/>
               <a:t>Third level</a:t>
             </a:r>
+            <a:endParaRPr lang="en-US"/>
           </a:p>
           <a:p>
             <a:pPr lvl="3"/>
@@ -859,6 +741,7 @@
               <a:rPr lang="en-US"/>
               <a:t>Fourth level</a:t>
             </a:r>
+            <a:endParaRPr lang="en-US"/>
           </a:p>
           <a:p>
             <a:pPr lvl="4"/>
@@ -887,7 +770,6 @@
           <a:p>
             <a:fld id="{09C21532-C5AF-4134-B772-6428EF31DF31}" type="datetimeFigureOut">
               <a:rPr lang="en-IN" smtClean="0"/>
-              <a:t>15-03-2023</a:t>
             </a:fld>
             <a:endParaRPr lang="en-IN"/>
           </a:p>
@@ -929,18 +811,12 @@
           <a:p>
             <a:fld id="{683DD2C4-DF1D-4C41-BCC0-F5B9AB521163}" type="slidenum">
               <a:rPr lang="en-IN" smtClean="0"/>
-              <a:t>‹#›</a:t>
             </a:fld>
             <a:endParaRPr lang="en-IN"/>
           </a:p>
         </p:txBody>
       </p:sp>
     </p:spTree>
-    <p:extLst>
-      <p:ext uri="{BB962C8B-B14F-4D97-AF65-F5344CB8AC3E}">
-        <p14:creationId xmlns:p14="http://schemas.microsoft.com/office/powerpoint/2010/main" val="1976789492"/>
-      </p:ext>
-    </p:extLst>
   </p:cSld>
   <p:clrMapOvr>
     <a:masterClrMapping/>
@@ -1113,6 +989,7 @@
               <a:rPr lang="en-US"/>
               <a:t>Click to edit Master text styles</a:t>
             </a:r>
+            <a:endParaRPr lang="en-US"/>
           </a:p>
         </p:txBody>
       </p:sp>
@@ -1133,7 +1010,6 @@
           <a:p>
             <a:fld id="{09C21532-C5AF-4134-B772-6428EF31DF31}" type="datetimeFigureOut">
               <a:rPr lang="en-IN" smtClean="0"/>
-              <a:t>15-03-2023</a:t>
             </a:fld>
             <a:endParaRPr lang="en-IN"/>
           </a:p>
@@ -1175,18 +1051,12 @@
           <a:p>
             <a:fld id="{683DD2C4-DF1D-4C41-BCC0-F5B9AB521163}" type="slidenum">
               <a:rPr lang="en-IN" smtClean="0"/>
-              <a:t>‹#›</a:t>
             </a:fld>
             <a:endParaRPr lang="en-IN"/>
           </a:p>
         </p:txBody>
       </p:sp>
     </p:spTree>
-    <p:extLst>
-      <p:ext uri="{BB962C8B-B14F-4D97-AF65-F5344CB8AC3E}">
-        <p14:creationId xmlns:p14="http://schemas.microsoft.com/office/powerpoint/2010/main" val="143408691"/>
-      </p:ext>
-    </p:extLst>
   </p:cSld>
   <p:clrMapOvr>
     <a:masterClrMapping/>
@@ -1259,6 +1129,7 @@
               <a:rPr lang="en-US"/>
               <a:t>Click to edit Master text styles</a:t>
             </a:r>
+            <a:endParaRPr lang="en-US"/>
           </a:p>
           <a:p>
             <a:pPr lvl="1"/>
@@ -1266,6 +1137,7 @@
               <a:rPr lang="en-US"/>
               <a:t>Second level</a:t>
             </a:r>
+            <a:endParaRPr lang="en-US"/>
           </a:p>
           <a:p>
             <a:pPr lvl="2"/>
@@ -1273,6 +1145,7 @@
               <a:rPr lang="en-US"/>
               <a:t>Third level</a:t>
             </a:r>
+            <a:endParaRPr lang="en-US"/>
           </a:p>
           <a:p>
             <a:pPr lvl="3"/>
@@ -1280,6 +1153,7 @@
               <a:rPr lang="en-US"/>
               <a:t>Fourth level</a:t>
             </a:r>
+            <a:endParaRPr lang="en-US"/>
           </a:p>
           <a:p>
             <a:pPr lvl="4"/>
@@ -1316,6 +1190,7 @@
               <a:rPr lang="en-US"/>
               <a:t>Click to edit Master text styles</a:t>
             </a:r>
+            <a:endParaRPr lang="en-US"/>
           </a:p>
           <a:p>
             <a:pPr lvl="1"/>
@@ -1323,6 +1198,7 @@
               <a:rPr lang="en-US"/>
               <a:t>Second level</a:t>
             </a:r>
+            <a:endParaRPr lang="en-US"/>
           </a:p>
           <a:p>
             <a:pPr lvl="2"/>
@@ -1330,6 +1206,7 @@
               <a:rPr lang="en-US"/>
               <a:t>Third level</a:t>
             </a:r>
+            <a:endParaRPr lang="en-US"/>
           </a:p>
           <a:p>
             <a:pPr lvl="3"/>
@@ -1337,6 +1214,7 @@
               <a:rPr lang="en-US"/>
               <a:t>Fourth level</a:t>
             </a:r>
+            <a:endParaRPr lang="en-US"/>
           </a:p>
           <a:p>
             <a:pPr lvl="4"/>
@@ -1365,7 +1243,6 @@
           <a:p>
             <a:fld id="{09C21532-C5AF-4134-B772-6428EF31DF31}" type="datetimeFigureOut">
               <a:rPr lang="en-IN" smtClean="0"/>
-              <a:t>15-03-2023</a:t>
             </a:fld>
             <a:endParaRPr lang="en-IN"/>
           </a:p>
@@ -1407,18 +1284,12 @@
           <a:p>
             <a:fld id="{683DD2C4-DF1D-4C41-BCC0-F5B9AB521163}" type="slidenum">
               <a:rPr lang="en-IN" smtClean="0"/>
-              <a:t>‹#›</a:t>
             </a:fld>
             <a:endParaRPr lang="en-IN"/>
           </a:p>
         </p:txBody>
       </p:sp>
     </p:spTree>
-    <p:extLst>
-      <p:ext uri="{BB962C8B-B14F-4D97-AF65-F5344CB8AC3E}">
-        <p14:creationId xmlns:p14="http://schemas.microsoft.com/office/powerpoint/2010/main" val="4268334922"/>
-      </p:ext>
-    </p:extLst>
   </p:cSld>
   <p:clrMapOvr>
     <a:masterClrMapping/>
@@ -1533,6 +1404,7 @@
               <a:rPr lang="en-US"/>
               <a:t>Click to edit Master text styles</a:t>
             </a:r>
+            <a:endParaRPr lang="en-US"/>
           </a:p>
         </p:txBody>
       </p:sp>
@@ -1561,6 +1433,7 @@
               <a:rPr lang="en-US"/>
               <a:t>Click to edit Master text styles</a:t>
             </a:r>
+            <a:endParaRPr lang="en-US"/>
           </a:p>
           <a:p>
             <a:pPr lvl="1"/>
@@ -1568,6 +1441,7 @@
               <a:rPr lang="en-US"/>
               <a:t>Second level</a:t>
             </a:r>
+            <a:endParaRPr lang="en-US"/>
           </a:p>
           <a:p>
             <a:pPr lvl="2"/>
@@ -1575,6 +1449,7 @@
               <a:rPr lang="en-US"/>
               <a:t>Third level</a:t>
             </a:r>
+            <a:endParaRPr lang="en-US"/>
           </a:p>
           <a:p>
             <a:pPr lvl="3"/>
@@ -1582,6 +1457,7 @@
               <a:rPr lang="en-US"/>
               <a:t>Fourth level</a:t>
             </a:r>
+            <a:endParaRPr lang="en-US"/>
           </a:p>
           <a:p>
             <a:pPr lvl="4"/>
@@ -1655,6 +1531,7 @@
               <a:rPr lang="en-US"/>
               <a:t>Click to edit Master text styles</a:t>
             </a:r>
+            <a:endParaRPr lang="en-US"/>
           </a:p>
         </p:txBody>
       </p:sp>
@@ -1683,6 +1560,7 @@
               <a:rPr lang="en-US"/>
               <a:t>Click to edit Master text styles</a:t>
             </a:r>
+            <a:endParaRPr lang="en-US"/>
           </a:p>
           <a:p>
             <a:pPr lvl="1"/>
@@ -1690,6 +1568,7 @@
               <a:rPr lang="en-US"/>
               <a:t>Second level</a:t>
             </a:r>
+            <a:endParaRPr lang="en-US"/>
           </a:p>
           <a:p>
             <a:pPr lvl="2"/>
@@ -1697,6 +1576,7 @@
               <a:rPr lang="en-US"/>
               <a:t>Third level</a:t>
             </a:r>
+            <a:endParaRPr lang="en-US"/>
           </a:p>
           <a:p>
             <a:pPr lvl="3"/>
@@ -1704,6 +1584,7 @@
               <a:rPr lang="en-US"/>
               <a:t>Fourth level</a:t>
             </a:r>
+            <a:endParaRPr lang="en-US"/>
           </a:p>
           <a:p>
             <a:pPr lvl="4"/>
@@ -1732,7 +1613,6 @@
           <a:p>
             <a:fld id="{09C21532-C5AF-4134-B772-6428EF31DF31}" type="datetimeFigureOut">
               <a:rPr lang="en-IN" smtClean="0"/>
-              <a:t>15-03-2023</a:t>
             </a:fld>
             <a:endParaRPr lang="en-IN"/>
           </a:p>
@@ -1774,18 +1654,12 @@
           <a:p>
             <a:fld id="{683DD2C4-DF1D-4C41-BCC0-F5B9AB521163}" type="slidenum">
               <a:rPr lang="en-IN" smtClean="0"/>
-              <a:t>‹#›</a:t>
             </a:fld>
             <a:endParaRPr lang="en-IN"/>
           </a:p>
         </p:txBody>
       </p:sp>
     </p:spTree>
-    <p:extLst>
-      <p:ext uri="{BB962C8B-B14F-4D97-AF65-F5344CB8AC3E}">
-        <p14:creationId xmlns:p14="http://schemas.microsoft.com/office/powerpoint/2010/main" val="3347428680"/>
-      </p:ext>
-    </p:extLst>
   </p:cSld>
   <p:clrMapOvr>
     <a:masterClrMapping/>
@@ -1850,7 +1724,6 @@
           <a:p>
             <a:fld id="{09C21532-C5AF-4134-B772-6428EF31DF31}" type="datetimeFigureOut">
               <a:rPr lang="en-IN" smtClean="0"/>
-              <a:t>15-03-2023</a:t>
             </a:fld>
             <a:endParaRPr lang="en-IN"/>
           </a:p>
@@ -1892,18 +1765,12 @@
           <a:p>
             <a:fld id="{683DD2C4-DF1D-4C41-BCC0-F5B9AB521163}" type="slidenum">
               <a:rPr lang="en-IN" smtClean="0"/>
-              <a:t>‹#›</a:t>
             </a:fld>
             <a:endParaRPr lang="en-IN"/>
           </a:p>
         </p:txBody>
       </p:sp>
     </p:spTree>
-    <p:extLst>
-      <p:ext uri="{BB962C8B-B14F-4D97-AF65-F5344CB8AC3E}">
-        <p14:creationId xmlns:p14="http://schemas.microsoft.com/office/powerpoint/2010/main" val="1219685820"/>
-      </p:ext>
-    </p:extLst>
   </p:cSld>
   <p:clrMapOvr>
     <a:masterClrMapping/>
@@ -1945,7 +1812,6 @@
           <a:p>
             <a:fld id="{09C21532-C5AF-4134-B772-6428EF31DF31}" type="datetimeFigureOut">
               <a:rPr lang="en-IN" smtClean="0"/>
-              <a:t>15-03-2023</a:t>
             </a:fld>
             <a:endParaRPr lang="en-IN"/>
           </a:p>
@@ -1987,18 +1853,12 @@
           <a:p>
             <a:fld id="{683DD2C4-DF1D-4C41-BCC0-F5B9AB521163}" type="slidenum">
               <a:rPr lang="en-IN" smtClean="0"/>
-              <a:t>‹#›</a:t>
             </a:fld>
             <a:endParaRPr lang="en-IN"/>
           </a:p>
         </p:txBody>
       </p:sp>
     </p:spTree>
-    <p:extLst>
-      <p:ext uri="{BB962C8B-B14F-4D97-AF65-F5344CB8AC3E}">
-        <p14:creationId xmlns:p14="http://schemas.microsoft.com/office/powerpoint/2010/main" val="2935762826"/>
-      </p:ext>
-    </p:extLst>
   </p:cSld>
   <p:clrMapOvr>
     <a:masterClrMapping/>
@@ -2108,6 +1968,7 @@
               <a:rPr lang="en-US"/>
               <a:t>Click to edit Master text styles</a:t>
             </a:r>
+            <a:endParaRPr lang="en-US"/>
           </a:p>
           <a:p>
             <a:pPr lvl="1"/>
@@ -2115,6 +1976,7 @@
               <a:rPr lang="en-US"/>
               <a:t>Second level</a:t>
             </a:r>
+            <a:endParaRPr lang="en-US"/>
           </a:p>
           <a:p>
             <a:pPr lvl="2"/>
@@ -2122,6 +1984,7 @@
               <a:rPr lang="en-US"/>
               <a:t>Third level</a:t>
             </a:r>
+            <a:endParaRPr lang="en-US"/>
           </a:p>
           <a:p>
             <a:pPr lvl="3"/>
@@ -2129,6 +1992,7 @@
               <a:rPr lang="en-US"/>
               <a:t>Fourth level</a:t>
             </a:r>
+            <a:endParaRPr lang="en-US"/>
           </a:p>
           <a:p>
             <a:pPr lvl="4"/>
@@ -2202,6 +2066,7 @@
               <a:rPr lang="en-US"/>
               <a:t>Click to edit Master text styles</a:t>
             </a:r>
+            <a:endParaRPr lang="en-US"/>
           </a:p>
         </p:txBody>
       </p:sp>
@@ -2222,7 +2087,6 @@
           <a:p>
             <a:fld id="{09C21532-C5AF-4134-B772-6428EF31DF31}" type="datetimeFigureOut">
               <a:rPr lang="en-IN" smtClean="0"/>
-              <a:t>15-03-2023</a:t>
             </a:fld>
             <a:endParaRPr lang="en-IN"/>
           </a:p>
@@ -2264,18 +2128,12 @@
           <a:p>
             <a:fld id="{683DD2C4-DF1D-4C41-BCC0-F5B9AB521163}" type="slidenum">
               <a:rPr lang="en-IN" smtClean="0"/>
-              <a:t>‹#›</a:t>
             </a:fld>
             <a:endParaRPr lang="en-IN"/>
           </a:p>
         </p:txBody>
       </p:sp>
     </p:spTree>
-    <p:extLst>
-      <p:ext uri="{BB962C8B-B14F-4D97-AF65-F5344CB8AC3E}">
-        <p14:creationId xmlns:p14="http://schemas.microsoft.com/office/powerpoint/2010/main" val="1469919275"/>
-      </p:ext>
-    </p:extLst>
   </p:cSld>
   <p:clrMapOvr>
     <a:masterClrMapping/>
@@ -2455,6 +2313,7 @@
               <a:rPr lang="en-US"/>
               <a:t>Click to edit Master text styles</a:t>
             </a:r>
+            <a:endParaRPr lang="en-US"/>
           </a:p>
         </p:txBody>
       </p:sp>
@@ -2475,7 +2334,6 @@
           <a:p>
             <a:fld id="{09C21532-C5AF-4134-B772-6428EF31DF31}" type="datetimeFigureOut">
               <a:rPr lang="en-IN" smtClean="0"/>
-              <a:t>15-03-2023</a:t>
             </a:fld>
             <a:endParaRPr lang="en-IN"/>
           </a:p>
@@ -2517,18 +2375,12 @@
           <a:p>
             <a:fld id="{683DD2C4-DF1D-4C41-BCC0-F5B9AB521163}" type="slidenum">
               <a:rPr lang="en-IN" smtClean="0"/>
-              <a:t>‹#›</a:t>
             </a:fld>
             <a:endParaRPr lang="en-IN"/>
           </a:p>
         </p:txBody>
       </p:sp>
     </p:spTree>
-    <p:extLst>
-      <p:ext uri="{BB962C8B-B14F-4D97-AF65-F5344CB8AC3E}">
-        <p14:creationId xmlns:p14="http://schemas.microsoft.com/office/powerpoint/2010/main" val="1809636268"/>
-      </p:ext>
-    </p:extLst>
   </p:cSld>
   <p:clrMapOvr>
     <a:masterClrMapping/>
@@ -2540,9 +2392,15 @@
 <p:sldMaster xmlns:a="http://schemas.openxmlformats.org/drawingml/2006/main" xmlns:r="http://schemas.openxmlformats.org/officeDocument/2006/relationships" xmlns:p="http://schemas.openxmlformats.org/presentationml/2006/main">
   <p:cSld>
     <p:bg>
-      <p:bgRef idx="1001">
-        <a:schemeClr val="bg1"/>
-      </p:bgRef>
+      <p:bgPr>
+        <a:solidFill>
+          <a:schemeClr val="accent5">
+            <a:lumMod val="60000"/>
+            <a:lumOff val="40000"/>
+          </a:schemeClr>
+        </a:solidFill>
+        <a:effectLst/>
+      </p:bgPr>
     </p:bg>
     <p:spTree>
       <p:nvGrpSpPr>
@@ -2621,6 +2479,7 @@
               <a:rPr lang="en-US"/>
               <a:t>Click to edit Master text styles</a:t>
             </a:r>
+            <a:endParaRPr lang="en-US"/>
           </a:p>
           <a:p>
             <a:pPr lvl="1"/>
@@ -2628,6 +2487,7 @@
               <a:rPr lang="en-US"/>
               <a:t>Second level</a:t>
             </a:r>
+            <a:endParaRPr lang="en-US"/>
           </a:p>
           <a:p>
             <a:pPr lvl="2"/>
@@ -2635,6 +2495,7 @@
               <a:rPr lang="en-US"/>
               <a:t>Third level</a:t>
             </a:r>
+            <a:endParaRPr lang="en-US"/>
           </a:p>
           <a:p>
             <a:pPr lvl="3"/>
@@ -2642,6 +2503,7 @@
               <a:rPr lang="en-US"/>
               <a:t>Fourth level</a:t>
             </a:r>
+            <a:endParaRPr lang="en-US"/>
           </a:p>
           <a:p>
             <a:pPr lvl="4"/>
@@ -2688,7 +2550,6 @@
           <a:p>
             <a:fld id="{09C21532-C5AF-4134-B772-6428EF31DF31}" type="datetimeFigureOut">
               <a:rPr lang="en-IN" smtClean="0"/>
-              <a:t>15-03-2023</a:t>
             </a:fld>
             <a:endParaRPr lang="en-IN"/>
           </a:p>
@@ -2766,18 +2627,12 @@
           <a:p>
             <a:fld id="{683DD2C4-DF1D-4C41-BCC0-F5B9AB521163}" type="slidenum">
               <a:rPr lang="en-IN" smtClean="0"/>
-              <a:t>‹#›</a:t>
             </a:fld>
             <a:endParaRPr lang="en-IN"/>
           </a:p>
         </p:txBody>
       </p:sp>
     </p:spTree>
-    <p:extLst>
-      <p:ext uri="{BB962C8B-B14F-4D97-AF65-F5344CB8AC3E}">
-        <p14:creationId xmlns:p14="http://schemas.microsoft.com/office/powerpoint/2010/main" val="1659811427"/>
-      </p:ext>
-    </p:extLst>
   </p:cSld>
   <p:clrMap bg1="lt1" tx1="dk1" bg2="lt2" tx2="dk2" accent1="accent1" accent2="accent2" accent3="accent3" accent4="accent4" accent5="accent5" accent6="accent6" hlink="hlink" folHlink="folHlink"/>
   <p:sldLayoutIdLst>
@@ -3155,6 +3010,7 @@
               <a:rPr lang="en-IN" dirty="0"/>
               <a:t> (Revised 2017 Pattern)</a:t>
             </a:r>
+            <a:endParaRPr lang="en-IN" dirty="0"/>
           </a:p>
           <a:p>
             <a:pPr algn="ctr"/>
@@ -3170,6 +3026,7 @@
               <a:rPr lang="en-IN" dirty="0"/>
               <a:t>Subject code-4604			Semester - VI  </a:t>
             </a:r>
+            <a:endParaRPr lang="en-IN" dirty="0"/>
           </a:p>
           <a:p>
             <a:pPr algn="ctr"/>
@@ -3183,6 +3040,7 @@
               <a:rPr lang="en-IN" dirty="0"/>
               <a:t>                               Credit – 4</a:t>
             </a:r>
+            <a:endParaRPr lang="en-IN" dirty="0"/>
           </a:p>
           <a:p>
             <a:pPr marL="0" indent="0" algn="ctr">
@@ -3211,6 +3069,7 @@
               <a:rPr lang="en-US" dirty="0"/>
               <a:t>By</a:t>
             </a:r>
+            <a:endParaRPr lang="en-US" dirty="0"/>
           </a:p>
           <a:p>
             <a:pPr marL="3657600" lvl="8" indent="0" algn="ctr">
@@ -3229,11 +3088,6 @@
         </p:txBody>
       </p:sp>
     </p:spTree>
-    <p:extLst>
-      <p:ext uri="{BB962C8B-B14F-4D97-AF65-F5344CB8AC3E}">
-        <p14:creationId xmlns:p14="http://schemas.microsoft.com/office/powerpoint/2010/main" val="3171687973"/>
-      </p:ext>
-    </p:extLst>
   </p:cSld>
   <p:clrMapOvr>
     <a:masterClrMapping/>
@@ -3335,7 +3189,7 @@
       <p:pic>
         <p:nvPicPr>
           <p:cNvPr id="6146" name="Picture 2" descr="up to index">
-            <a:hlinkClick r:id="rId3"/>
+            <a:hlinkClick r:id="rId1"/>
           </p:cNvPr>
           <p:cNvPicPr>
             <a:picLocks noChangeAspect="1" noChangeArrowheads="1"/>
@@ -3343,7 +3197,7 @@
           <p:nvPr/>
         </p:nvPicPr>
         <p:blipFill>
-          <a:blip r:embed="rId4">
+          <a:blip r:embed="rId2">
             <a:extLst>
               <a:ext uri="{28A0092B-C50C-407E-A947-70E740481C1C}">
                 <a14:useLocalDpi xmlns:a14="http://schemas.microsoft.com/office/drawing/2010/main" val="0"/>
@@ -3378,7 +3232,7 @@
       <p:pic>
         <p:nvPicPr>
           <p:cNvPr id="6147" name="Picture 3" descr="up to index">
-            <a:hlinkClick r:id="rId3"/>
+            <a:hlinkClick r:id="rId1"/>
           </p:cNvPr>
           <p:cNvPicPr>
             <a:picLocks noChangeAspect="1" noChangeArrowheads="1"/>
@@ -3386,7 +3240,7 @@
           <p:nvPr/>
         </p:nvPicPr>
         <p:blipFill>
-          <a:blip r:embed="rId4">
+          <a:blip r:embed="rId2">
             <a:extLst>
               <a:ext uri="{28A0092B-C50C-407E-A947-70E740481C1C}">
                 <a14:useLocalDpi xmlns:a14="http://schemas.microsoft.com/office/drawing/2010/main" val="0"/>
@@ -3493,6 +3347,13 @@
               </a:rPr>
               <a:t>. </a:t>
             </a:r>
+            <a:endParaRPr lang="en-US" sz="2200" dirty="0">
+              <a:solidFill>
+                <a:srgbClr val="3C484E"/>
+              </a:solidFill>
+              <a:latin typeface="Times New Roman" panose="02020603050405020304" pitchFamily="18" charset="0"/>
+              <a:cs typeface="Times New Roman" panose="02020603050405020304" pitchFamily="18" charset="0"/>
+            </a:endParaRPr>
           </a:p>
           <a:p>
             <a:pPr marL="285750" indent="-285750">
@@ -3529,6 +3390,13 @@
               </a:rPr>
               <a:t> is mounted during startup, other file systems remain unusable until they are mounted at a mount point. For access to a file system, it needs to be mounted.</a:t>
             </a:r>
+            <a:endParaRPr lang="en-US" sz="2200" dirty="0">
+              <a:solidFill>
+                <a:srgbClr val="3C484E"/>
+              </a:solidFill>
+              <a:latin typeface="Times New Roman" panose="02020603050405020304" pitchFamily="18" charset="0"/>
+              <a:cs typeface="Times New Roman" panose="02020603050405020304" pitchFamily="18" charset="0"/>
+            </a:endParaRPr>
           </a:p>
           <a:p>
             <a:pPr marL="285750" indent="-285750">
@@ -3545,6 +3413,13 @@
               </a:rPr>
               <a:t>Example:  A case on point where we would need mounting is whereby assuming we are running a very popular web service on a 500 GB HDD but data grows very fast and we need to increase the storage space, mounting enables us to mount a new larger-capacity storage device at any point in a directory while maintaining the same file structure.</a:t>
             </a:r>
+            <a:endParaRPr lang="en-US" sz="2200" dirty="0">
+              <a:solidFill>
+                <a:srgbClr val="3C484E"/>
+              </a:solidFill>
+              <a:latin typeface="Times New Roman" panose="02020603050405020304" pitchFamily="18" charset="0"/>
+              <a:cs typeface="Times New Roman" panose="02020603050405020304" pitchFamily="18" charset="0"/>
+            </a:endParaRPr>
           </a:p>
           <a:p>
             <a:pPr marL="342900" indent="-342900" algn="just" fontAlgn="base">
@@ -3572,6 +3447,10 @@
               </a:rPr>
               <a:t> file systems requires root privileges on the system and the existence of the directory in which we will mount the file system in the case of mounting</a:t>
             </a:r>
+            <a:endParaRPr lang="en-US" sz="2200" dirty="0">
+              <a:latin typeface="Times New Roman" panose="02020603050405020304" pitchFamily="18" charset="0"/>
+              <a:cs typeface="Times New Roman" panose="02020603050405020304" pitchFamily="18" charset="0"/>
+            </a:endParaRPr>
           </a:p>
           <a:p>
             <a:pPr marL="342900" indent="-342900" algn="just" fontAlgn="base">
@@ -3585,6 +3464,10 @@
               </a:rPr>
               <a:t>Mounting:-</a:t>
             </a:r>
+            <a:endParaRPr lang="en-US" sz="2200" b="1" dirty="0">
+              <a:latin typeface="Times New Roman" panose="02020603050405020304" pitchFamily="18" charset="0"/>
+              <a:cs typeface="Times New Roman" panose="02020603050405020304" pitchFamily="18" charset="0"/>
+            </a:endParaRPr>
           </a:p>
           <a:p>
             <a:pPr marL="342900" indent="-342900" algn="just" fontAlgn="base">
@@ -3612,6 +3495,10 @@
               </a:rPr>
               <a:t> command is used so as to attach a file system to the file system hierarchy. When mounting we provide information such as files system type, file system and the mount point.</a:t>
             </a:r>
+            <a:endParaRPr lang="en-US" sz="2200" dirty="0">
+              <a:latin typeface="Times New Roman" panose="02020603050405020304" pitchFamily="18" charset="0"/>
+              <a:cs typeface="Times New Roman" panose="02020603050405020304" pitchFamily="18" charset="0"/>
+            </a:endParaRPr>
           </a:p>
           <a:p>
             <a:pPr marL="342900" indent="-342900" algn="just" fontAlgn="base">
@@ -3639,6 +3526,10 @@
               </a:rPr>
               <a:t> of the hierarchy and thus it is possible to navigate from the rest for the file hierarchy.</a:t>
             </a:r>
+            <a:endParaRPr lang="en-US" sz="2200" dirty="0">
+              <a:latin typeface="Times New Roman" panose="02020603050405020304" pitchFamily="18" charset="0"/>
+              <a:cs typeface="Times New Roman" panose="02020603050405020304" pitchFamily="18" charset="0"/>
+            </a:endParaRPr>
           </a:p>
           <a:p>
             <a:pPr marL="285750" indent="-285750" algn="just">
@@ -3653,20 +3544,10 @@
         </p:txBody>
       </p:sp>
     </p:spTree>
-    <p:extLst>
-      <p:ext uri="{BB962C8B-B14F-4D97-AF65-F5344CB8AC3E}">
-        <p14:creationId xmlns:p14="http://schemas.microsoft.com/office/powerpoint/2010/main" val="3743519219"/>
-      </p:ext>
-    </p:extLst>
   </p:cSld>
   <p:clrMapOvr>
     <a:masterClrMapping/>
   </p:clrMapOvr>
-  <p:extLst>
-    <p:ext uri="{6950BFC3-D8DA-4A85-94F7-54DA5524770B}">
-      <p188:commentRel xmlns:p188="http://schemas.microsoft.com/office/powerpoint/2018/8/main" r:id="rId2"/>
-    </p:ext>
-  </p:extLst>
 </p:sld>
 </file>
 
@@ -3764,7 +3645,7 @@
       <p:pic>
         <p:nvPicPr>
           <p:cNvPr id="6146" name="Picture 2" descr="up to index">
-            <a:hlinkClick r:id="rId2"/>
+            <a:hlinkClick r:id="rId1"/>
           </p:cNvPr>
           <p:cNvPicPr>
             <a:picLocks noChangeAspect="1" noChangeArrowheads="1"/>
@@ -3772,7 +3653,7 @@
           <p:nvPr/>
         </p:nvPicPr>
         <p:blipFill>
-          <a:blip r:embed="rId3">
+          <a:blip r:embed="rId2">
             <a:extLst>
               <a:ext uri="{28A0092B-C50C-407E-A947-70E740481C1C}">
                 <a14:useLocalDpi xmlns:a14="http://schemas.microsoft.com/office/drawing/2010/main" val="0"/>
@@ -3807,7 +3688,7 @@
       <p:pic>
         <p:nvPicPr>
           <p:cNvPr id="6147" name="Picture 3" descr="up to index">
-            <a:hlinkClick r:id="rId2"/>
+            <a:hlinkClick r:id="rId1"/>
           </p:cNvPr>
           <p:cNvPicPr>
             <a:picLocks noChangeAspect="1" noChangeArrowheads="1"/>
@@ -3815,7 +3696,7 @@
           <p:nvPr/>
         </p:nvPicPr>
         <p:blipFill>
-          <a:blip r:embed="rId3">
+          <a:blip r:embed="rId2">
             <a:extLst>
               <a:ext uri="{28A0092B-C50C-407E-A947-70E740481C1C}">
                 <a14:useLocalDpi xmlns:a14="http://schemas.microsoft.com/office/drawing/2010/main" val="0"/>
@@ -3893,6 +3774,10 @@
               </a:rPr>
               <a:t> NFS or AFS. </a:t>
             </a:r>
+            <a:endParaRPr lang="en-US" sz="2200" dirty="0">
+              <a:latin typeface="Times New Roman" panose="02020603050405020304" pitchFamily="18" charset="0"/>
+              <a:cs typeface="Times New Roman" panose="02020603050405020304" pitchFamily="18" charset="0"/>
+            </a:endParaRPr>
           </a:p>
           <a:p>
             <a:pPr marL="342900" indent="-342900" fontAlgn="base">
@@ -3920,6 +3805,10 @@
               </a:rPr>
               <a:t> downloading an ISO file and mounting it rather than copying it to another media.</a:t>
             </a:r>
+            <a:endParaRPr lang="en-US" sz="2200" dirty="0">
+              <a:latin typeface="Times New Roman" panose="02020603050405020304" pitchFamily="18" charset="0"/>
+              <a:cs typeface="Times New Roman" panose="02020603050405020304" pitchFamily="18" charset="0"/>
+            </a:endParaRPr>
           </a:p>
           <a:p>
             <a:pPr marL="342900" indent="-342900" fontAlgn="base">
@@ -3961,6 +3850,10 @@
               </a:rPr>
               <a:t> directory.</a:t>
             </a:r>
+            <a:endParaRPr lang="en-US" sz="2200" dirty="0">
+              <a:latin typeface="Times New Roman" panose="02020603050405020304" pitchFamily="18" charset="0"/>
+              <a:cs typeface="Times New Roman" panose="02020603050405020304" pitchFamily="18" charset="0"/>
+            </a:endParaRPr>
           </a:p>
           <a:p>
             <a:pPr marL="342900" indent="-342900" fontAlgn="base">
@@ -4002,6 +3895,10 @@
               </a:rPr>
               <a:t> (file system table) configuration file.</a:t>
             </a:r>
+            <a:endParaRPr lang="en-US" sz="2200" dirty="0">
+              <a:latin typeface="Times New Roman" panose="02020603050405020304" pitchFamily="18" charset="0"/>
+              <a:cs typeface="Times New Roman" panose="02020603050405020304" pitchFamily="18" charset="0"/>
+            </a:endParaRPr>
           </a:p>
           <a:p>
             <a:pPr marL="342900" indent="-342900" fontAlgn="base">
@@ -4015,6 +3912,10 @@
               </a:rPr>
               <a:t>This file will have a list of all file systems, their selected mount points and other file system specific options.</a:t>
             </a:r>
+            <a:endParaRPr lang="en-US" sz="2200" dirty="0">
+              <a:latin typeface="Times New Roman" panose="02020603050405020304" pitchFamily="18" charset="0"/>
+              <a:cs typeface="Times New Roman" panose="02020603050405020304" pitchFamily="18" charset="0"/>
+            </a:endParaRPr>
           </a:p>
           <a:p>
             <a:pPr marL="342900" indent="-342900" fontAlgn="base">
@@ -4077,6 +3978,10 @@
               </a:rPr>
               <a:t> command.</a:t>
             </a:r>
+            <a:endParaRPr lang="en-US" sz="2200" dirty="0">
+              <a:latin typeface="Times New Roman" panose="02020603050405020304" pitchFamily="18" charset="0"/>
+              <a:cs typeface="Times New Roman" panose="02020603050405020304" pitchFamily="18" charset="0"/>
+            </a:endParaRPr>
           </a:p>
           <a:p>
             <a:pPr marL="342900" indent="-342900" fontAlgn="base">
@@ -4090,6 +3995,10 @@
               </a:rPr>
               <a:t>From the output we can see columns such as,</a:t>
             </a:r>
+            <a:endParaRPr lang="en-US" sz="2200" dirty="0">
+              <a:latin typeface="Times New Roman" panose="02020603050405020304" pitchFamily="18" charset="0"/>
+              <a:cs typeface="Times New Roman" panose="02020603050405020304" pitchFamily="18" charset="0"/>
+            </a:endParaRPr>
           </a:p>
           <a:p>
             <a:pPr marL="342900" indent="-342900" fontAlgn="base">
@@ -4110,6 +4019,10 @@
               </a:rPr>
               <a:t>: we can either specifies the file system by UUID(universal unique identifier) or a disk label.</a:t>
             </a:r>
+            <a:endParaRPr lang="en-US" sz="2200" dirty="0">
+              <a:latin typeface="Times New Roman" panose="02020603050405020304" pitchFamily="18" charset="0"/>
+              <a:cs typeface="Times New Roman" panose="02020603050405020304" pitchFamily="18" charset="0"/>
+            </a:endParaRPr>
           </a:p>
           <a:p>
             <a:pPr marL="342900" indent="-342900" fontAlgn="base">
@@ -4130,6 +4043,10 @@
               </a:rPr>
               <a:t>: is the directory on the file system we shall use to access stored data on the disk.</a:t>
             </a:r>
+            <a:endParaRPr lang="en-US" sz="2200" dirty="0">
+              <a:latin typeface="Times New Roman" panose="02020603050405020304" pitchFamily="18" charset="0"/>
+              <a:cs typeface="Times New Roman" panose="02020603050405020304" pitchFamily="18" charset="0"/>
+            </a:endParaRPr>
           </a:p>
           <a:p>
             <a:pPr marL="342900" indent="-342900" fontAlgn="base">
@@ -4150,6 +4067,10 @@
               </a:rPr>
               <a:t>: This specifies the type of the file system.</a:t>
             </a:r>
+            <a:endParaRPr lang="en-US" sz="2200" dirty="0">
+              <a:latin typeface="Times New Roman" panose="02020603050405020304" pitchFamily="18" charset="0"/>
+              <a:cs typeface="Times New Roman" panose="02020603050405020304" pitchFamily="18" charset="0"/>
+            </a:endParaRPr>
           </a:p>
           <a:p>
             <a:pPr marL="342900" indent="-342900" fontAlgn="base">
@@ -4170,6 +4091,10 @@
               </a:rPr>
               <a:t>: Here we can specify options for tuning a mount.</a:t>
             </a:r>
+            <a:endParaRPr lang="en-US" sz="2200" dirty="0">
+              <a:latin typeface="Times New Roman" panose="02020603050405020304" pitchFamily="18" charset="0"/>
+              <a:cs typeface="Times New Roman" panose="02020603050405020304" pitchFamily="18" charset="0"/>
+            </a:endParaRPr>
           </a:p>
           <a:p>
             <a:pPr marL="342900" indent="-342900" fontAlgn="base">
@@ -4190,6 +4115,10 @@
               </a:rPr>
               <a:t>: We can either enable or disable dumping on the system.</a:t>
             </a:r>
+            <a:endParaRPr lang="en-US" sz="2200" dirty="0">
+              <a:latin typeface="Times New Roman" panose="02020603050405020304" pitchFamily="18" charset="0"/>
+              <a:cs typeface="Times New Roman" panose="02020603050405020304" pitchFamily="18" charset="0"/>
+            </a:endParaRPr>
           </a:p>
           <a:p>
             <a:pPr marL="342900" indent="-342900" fontAlgn="base">
@@ -4231,6 +4160,10 @@
               </a:rPr>
               <a:t> can check the file system.</a:t>
             </a:r>
+            <a:endParaRPr lang="en-US" sz="2200" dirty="0">
+              <a:latin typeface="Times New Roman" panose="02020603050405020304" pitchFamily="18" charset="0"/>
+              <a:cs typeface="Times New Roman" panose="02020603050405020304" pitchFamily="18" charset="0"/>
+            </a:endParaRPr>
           </a:p>
           <a:p>
             <a:pPr marL="285750" indent="-285750" algn="just">
@@ -4245,11 +4178,6 @@
         </p:txBody>
       </p:sp>
     </p:spTree>
-    <p:extLst>
-      <p:ext uri="{BB962C8B-B14F-4D97-AF65-F5344CB8AC3E}">
-        <p14:creationId xmlns:p14="http://schemas.microsoft.com/office/powerpoint/2010/main" val="175421920"/>
-      </p:ext>
-    </p:extLst>
   </p:cSld>
   <p:clrMapOvr>
     <a:masterClrMapping/>
@@ -4351,7 +4279,7 @@
       <p:pic>
         <p:nvPicPr>
           <p:cNvPr id="6146" name="Picture 2" descr="up to index">
-            <a:hlinkClick r:id="rId2"/>
+            <a:hlinkClick r:id="rId1"/>
           </p:cNvPr>
           <p:cNvPicPr>
             <a:picLocks noChangeAspect="1" noChangeArrowheads="1"/>
@@ -4359,7 +4287,7 @@
           <p:nvPr/>
         </p:nvPicPr>
         <p:blipFill>
-          <a:blip r:embed="rId3">
+          <a:blip r:embed="rId2">
             <a:extLst>
               <a:ext uri="{28A0092B-C50C-407E-A947-70E740481C1C}">
                 <a14:useLocalDpi xmlns:a14="http://schemas.microsoft.com/office/drawing/2010/main" val="0"/>
@@ -4394,7 +4322,7 @@
       <p:pic>
         <p:nvPicPr>
           <p:cNvPr id="6147" name="Picture 3" descr="up to index">
-            <a:hlinkClick r:id="rId2"/>
+            <a:hlinkClick r:id="rId1"/>
           </p:cNvPr>
           <p:cNvPicPr>
             <a:picLocks noChangeAspect="1" noChangeArrowheads="1"/>
@@ -4402,7 +4330,7 @@
           <p:nvPr/>
         </p:nvPicPr>
         <p:blipFill>
-          <a:blip r:embed="rId3">
+          <a:blip r:embed="rId2">
             <a:extLst>
               <a:ext uri="{28A0092B-C50C-407E-A947-70E740481C1C}">
                 <a14:useLocalDpi xmlns:a14="http://schemas.microsoft.com/office/drawing/2010/main" val="0"/>
@@ -4514,19 +4442,6 @@
               </a:rPr>
               <a:t> command.</a:t>
             </a:r>
-          </a:p>
-          <a:p>
-            <a:r>
-              <a:rPr lang="en-US" dirty="0">
-                <a:solidFill>
-                  <a:srgbClr val="3C484E"/>
-                </a:solidFill>
-                <a:latin typeface="Arial" panose="020B0604020202020204" pitchFamily="34" charset="0"/>
-              </a:rPr>
-              <a:t>$mount</a:t>
-            </a:r>
-          </a:p>
-          <a:p>
             <a:endParaRPr lang="en-US" dirty="0">
               <a:solidFill>
                 <a:srgbClr val="3C484E"/>
@@ -4535,6 +4450,31 @@
             </a:endParaRPr>
           </a:p>
           <a:p>
+            <a:r>
+              <a:rPr lang="en-US" dirty="0">
+                <a:solidFill>
+                  <a:srgbClr val="3C484E"/>
+                </a:solidFill>
+                <a:latin typeface="Arial" panose="020B0604020202020204" pitchFamily="34" charset="0"/>
+              </a:rPr>
+              <a:t>$mount</a:t>
+            </a:r>
+            <a:endParaRPr lang="en-US" dirty="0">
+              <a:solidFill>
+                <a:srgbClr val="3C484E"/>
+              </a:solidFill>
+              <a:latin typeface="Arial" panose="020B0604020202020204" pitchFamily="34" charset="0"/>
+            </a:endParaRPr>
+          </a:p>
+          <a:p>
+            <a:endParaRPr lang="en-US" dirty="0">
+              <a:solidFill>
+                <a:srgbClr val="3C484E"/>
+              </a:solidFill>
+              <a:latin typeface="Arial" panose="020B0604020202020204" pitchFamily="34" charset="0"/>
+            </a:endParaRPr>
+          </a:p>
+          <a:p>
             <a:pPr fontAlgn="base"/>
             <a:r>
               <a:rPr lang="en-US" sz="2200" b="1" dirty="0" err="1">
@@ -4550,6 +4490,10 @@
               </a:rPr>
               <a:t>:-</a:t>
             </a:r>
+            <a:endParaRPr lang="en-US" sz="2200" b="1" dirty="0">
+              <a:latin typeface="Times New Roman" panose="02020603050405020304" pitchFamily="18" charset="0"/>
+              <a:cs typeface="Times New Roman" panose="02020603050405020304" pitchFamily="18" charset="0"/>
+            </a:endParaRPr>
           </a:p>
           <a:p>
             <a:pPr fontAlgn="base"/>
@@ -4574,6 +4518,10 @@
               </a:rPr>
               <a:t> when the system powers down and any cached data stored in memory is flushed to the device.</a:t>
             </a:r>
+            <a:endParaRPr lang="en-US" sz="2200" dirty="0">
+              <a:latin typeface="Times New Roman" panose="02020603050405020304" pitchFamily="18" charset="0"/>
+              <a:cs typeface="Times New Roman" panose="02020603050405020304" pitchFamily="18" charset="0"/>
+            </a:endParaRPr>
           </a:p>
           <a:p>
             <a:pPr fontAlgn="base"/>
@@ -4632,6 +4580,10 @@
               </a:rPr>
               <a:t> command is used for this operation as follows,</a:t>
             </a:r>
+            <a:endParaRPr lang="en-US" sz="2200" dirty="0">
+              <a:latin typeface="Times New Roman" panose="02020603050405020304" pitchFamily="18" charset="0"/>
+              <a:cs typeface="Times New Roman" panose="02020603050405020304" pitchFamily="18" charset="0"/>
+            </a:endParaRPr>
           </a:p>
           <a:p>
             <a:r>
@@ -4655,14 +4607,18 @@
               </a:rPr>
               <a:t> [directory]</a:t>
             </a:r>
-          </a:p>
-          <a:p>
             <a:endParaRPr lang="en-US" sz="2200" dirty="0">
               <a:latin typeface="Times New Roman" panose="02020603050405020304" pitchFamily="18" charset="0"/>
               <a:cs typeface="Times New Roman" panose="02020603050405020304" pitchFamily="18" charset="0"/>
             </a:endParaRPr>
           </a:p>
           <a:p>
+            <a:endParaRPr lang="en-US" sz="2200" dirty="0">
+              <a:latin typeface="Times New Roman" panose="02020603050405020304" pitchFamily="18" charset="0"/>
+              <a:cs typeface="Times New Roman" panose="02020603050405020304" pitchFamily="18" charset="0"/>
+            </a:endParaRPr>
+          </a:p>
+          <a:p>
             <a:r>
               <a:rPr lang="en-US" sz="2200" dirty="0">
                 <a:latin typeface="Times New Roman" panose="02020603050405020304" pitchFamily="18" charset="0"/>
@@ -4670,6 +4626,10 @@
               </a:rPr>
               <a:t>Or</a:t>
             </a:r>
+            <a:endParaRPr lang="en-US" sz="2200" dirty="0">
+              <a:latin typeface="Times New Roman" panose="02020603050405020304" pitchFamily="18" charset="0"/>
+              <a:cs typeface="Times New Roman" panose="02020603050405020304" pitchFamily="18" charset="0"/>
+            </a:endParaRPr>
           </a:p>
           <a:p>
             <a:r>
@@ -4679,14 +4639,18 @@
               </a:rPr>
               <a:t>$unmounts [device]</a:t>
             </a:r>
-          </a:p>
-          <a:p>
             <a:endParaRPr lang="en-US" sz="2200" dirty="0">
               <a:latin typeface="Times New Roman" panose="02020603050405020304" pitchFamily="18" charset="0"/>
               <a:cs typeface="Times New Roman" panose="02020603050405020304" pitchFamily="18" charset="0"/>
             </a:endParaRPr>
           </a:p>
           <a:p>
+            <a:endParaRPr lang="en-US" sz="2200" dirty="0">
+              <a:latin typeface="Times New Roman" panose="02020603050405020304" pitchFamily="18" charset="0"/>
+              <a:cs typeface="Times New Roman" panose="02020603050405020304" pitchFamily="18" charset="0"/>
+            </a:endParaRPr>
+          </a:p>
+          <a:p>
             <a:pPr fontAlgn="base"/>
             <a:r>
               <a:rPr lang="en-US" sz="2200" dirty="0">
@@ -4709,6 +4673,10 @@
               </a:rPr>
               <a:t> files in the directory used as mount points, the hidden files if they existed will become visible again.</a:t>
             </a:r>
+            <a:endParaRPr lang="en-US" sz="2200" dirty="0">
+              <a:latin typeface="Times New Roman" panose="02020603050405020304" pitchFamily="18" charset="0"/>
+              <a:cs typeface="Times New Roman" panose="02020603050405020304" pitchFamily="18" charset="0"/>
+            </a:endParaRPr>
           </a:p>
           <a:p>
             <a:pPr fontAlgn="base"/>
@@ -4733,6 +4701,10 @@
               </a:rPr>
               <a:t> a file system while there are processes with its files open. </a:t>
             </a:r>
+            <a:endParaRPr lang="en-US" sz="2200" dirty="0">
+              <a:latin typeface="Times New Roman" panose="02020603050405020304" pitchFamily="18" charset="0"/>
+              <a:cs typeface="Times New Roman" panose="02020603050405020304" pitchFamily="18" charset="0"/>
+            </a:endParaRPr>
           </a:p>
           <a:p>
             <a:endParaRPr lang="en-IN" sz="2200" dirty="0">
@@ -4743,11 +4715,6 @@
         </p:txBody>
       </p:sp>
     </p:spTree>
-    <p:extLst>
-      <p:ext uri="{BB962C8B-B14F-4D97-AF65-F5344CB8AC3E}">
-        <p14:creationId xmlns:p14="http://schemas.microsoft.com/office/powerpoint/2010/main" val="3793850221"/>
-      </p:ext>
-    </p:extLst>
   </p:cSld>
   <p:clrMapOvr>
     <a:masterClrMapping/>
@@ -4791,6 +4758,7 @@
               <a:rPr lang="en-IN" dirty="0"/>
               <a:t>The organization of the File Tree</a:t>
             </a:r>
+            <a:endParaRPr lang="en-IN" dirty="0"/>
           </a:p>
         </p:txBody>
       </p:sp>
@@ -4815,12 +4783,14 @@
               <a:rPr lang="en-US" dirty="0"/>
               <a:t>All of the files in the UNIX file system are organized into a multi-leveled hierarchy called a directory tree.</a:t>
             </a:r>
+            <a:endParaRPr lang="en-US" dirty="0"/>
           </a:p>
           <a:p>
             <a:r>
               <a:rPr lang="en-US" dirty="0"/>
               <a:t>A family tree is an example of a hierarchical structure that represents how the UNIX file system is organized. The UNIX file system might also be envisioned as an inverted tree or the root system of plant.</a:t>
             </a:r>
+            <a:endParaRPr lang="en-US" dirty="0"/>
           </a:p>
           <a:p>
             <a:r>
@@ -4835,18 +4805,21 @@
               <a:rPr lang="en-US" dirty="0"/>
               <a:t>" of root.</a:t>
             </a:r>
+            <a:endParaRPr lang="en-US" dirty="0"/>
           </a:p>
           <a:p>
             <a:r>
               <a:rPr lang="en-US" dirty="0"/>
               <a:t>The number of levels is largely arbitrary, although most UNIX systems share some organizational similarities. The "standard" UNIX file system is discussed later.</a:t>
             </a:r>
+            <a:endParaRPr lang="en-US" dirty="0"/>
           </a:p>
           <a:p>
             <a:r>
               <a:rPr lang="en-US" dirty="0"/>
               <a:t>Example</a:t>
             </a:r>
+            <a:endParaRPr lang="en-US" dirty="0"/>
           </a:p>
           <a:p>
             <a:endParaRPr lang="en-IN" dirty="0"/>
@@ -4854,11 +4827,6 @@
         </p:txBody>
       </p:sp>
     </p:spTree>
-    <p:extLst>
-      <p:ext uri="{BB962C8B-B14F-4D97-AF65-F5344CB8AC3E}">
-        <p14:creationId xmlns:p14="http://schemas.microsoft.com/office/powerpoint/2010/main" val="778167470"/>
-      </p:ext>
-    </p:extLst>
   </p:cSld>
   <p:clrMapOvr>
     <a:masterClrMapping/>
@@ -4902,6 +4870,7 @@
               <a:rPr lang="en-IN" dirty="0"/>
               <a:t>The organization of the File Tree</a:t>
             </a:r>
+            <a:endParaRPr lang="en-IN" dirty="0"/>
           </a:p>
         </p:txBody>
       </p:sp>
@@ -4959,9 +4928,6 @@
         </p:spPr>
         <p:txBody>
           <a:bodyPr vert="horz" wrap="none" lIns="91440" tIns="45720" rIns="91440" bIns="45720" numCol="1" anchor="ctr" anchorCtr="0" compatLnSpc="1">
-            <a:prstTxWarp prst="textNoShape">
-              <a:avLst/>
-            </a:prstTxWarp>
             <a:spAutoFit/>
           </a:bodyPr>
           <a:lstStyle/>
@@ -4980,7 +4946,6 @@
               <a:buSzTx/>
               <a:buFontTx/>
               <a:buNone/>
-              <a:tabLst/>
             </a:pPr>
             <a:br>
               <a:rPr kumimoji="0" lang="en-US" sz="1000" b="1" i="0" u="none" strike="noStrike" cap="none" normalizeH="0" baseline="0" dirty="0">
@@ -5017,7 +4982,7 @@
           <p:nvPr/>
         </p:nvPicPr>
         <p:blipFill>
-          <a:blip r:embed="rId2">
+          <a:blip r:embed="rId1">
             <a:extLst>
               <a:ext uri="{28A0092B-C50C-407E-A947-70E740481C1C}">
                 <a14:useLocalDpi xmlns:a14="http://schemas.microsoft.com/office/drawing/2010/main" val="0"/>
@@ -5050,11 +5015,6 @@
         </p:spPr>
       </p:pic>
     </p:spTree>
-    <p:extLst>
-      <p:ext uri="{BB962C8B-B14F-4D97-AF65-F5344CB8AC3E}">
-        <p14:creationId xmlns:p14="http://schemas.microsoft.com/office/powerpoint/2010/main" val="3257037892"/>
-      </p:ext>
-    </p:extLst>
   </p:cSld>
   <p:clrMapOvr>
     <a:masterClrMapping/>
@@ -5137,7 +5097,7 @@
           <p:nvPr/>
         </p:nvPicPr>
         <p:blipFill>
-          <a:blip r:embed="rId3">
+          <a:blip r:embed="rId1">
             <a:extLst>
               <a:ext uri="{28A0092B-C50C-407E-A947-70E740481C1C}">
                 <a14:useLocalDpi xmlns:a14="http://schemas.microsoft.com/office/drawing/2010/main" val="0"/>
@@ -5170,20 +5130,10 @@
         </p:spPr>
       </p:pic>
     </p:spTree>
-    <p:extLst>
-      <p:ext uri="{BB962C8B-B14F-4D97-AF65-F5344CB8AC3E}">
-        <p14:creationId xmlns:p14="http://schemas.microsoft.com/office/powerpoint/2010/main" val="3590850025"/>
-      </p:ext>
-    </p:extLst>
   </p:cSld>
   <p:clrMapOvr>
     <a:masterClrMapping/>
   </p:clrMapOvr>
-  <p:extLst>
-    <p:ext uri="{6950BFC3-D8DA-4A85-94F7-54DA5524770B}">
-      <p188:commentRel xmlns:p188="http://schemas.microsoft.com/office/powerpoint/2018/8/main" r:id="rId2"/>
-    </p:ext>
-  </p:extLst>
 </p:sld>
 </file>
 
@@ -5273,6 +5223,13 @@
               </a:rPr>
               <a:t>1. Ordinary files – </a:t>
             </a:r>
+            <a:endParaRPr lang="en-US" b="1" dirty="0">
+              <a:solidFill>
+                <a:srgbClr val="273239"/>
+              </a:solidFill>
+              <a:latin typeface="Times New Roman" panose="02020603050405020304" pitchFamily="18" charset="0"/>
+              <a:cs typeface="Times New Roman" panose="02020603050405020304" pitchFamily="18" charset="0"/>
+            </a:endParaRPr>
           </a:p>
           <a:p>
             <a:pPr fontAlgn="base"/>
@@ -5286,6 +5243,13 @@
               </a:rPr>
               <a:t>An ordinary file is a file on the system that contains data, text, or program instructions.</a:t>
             </a:r>
+            <a:endParaRPr lang="en-US" dirty="0">
+              <a:solidFill>
+                <a:srgbClr val="273239"/>
+              </a:solidFill>
+              <a:latin typeface="Times New Roman" panose="02020603050405020304" pitchFamily="18" charset="0"/>
+              <a:cs typeface="Times New Roman" panose="02020603050405020304" pitchFamily="18" charset="0"/>
+            </a:endParaRPr>
           </a:p>
           <a:p>
             <a:pPr fontAlgn="base"/>
@@ -5299,6 +5263,13 @@
               </a:rPr>
               <a:t>Used to store your information, such as some text you have written or an image you have drawn. This is the type of file that you usually work with.</a:t>
             </a:r>
+            <a:endParaRPr lang="en-US" dirty="0">
+              <a:solidFill>
+                <a:srgbClr val="273239"/>
+              </a:solidFill>
+              <a:latin typeface="Times New Roman" panose="02020603050405020304" pitchFamily="18" charset="0"/>
+              <a:cs typeface="Times New Roman" panose="02020603050405020304" pitchFamily="18" charset="0"/>
+            </a:endParaRPr>
           </a:p>
           <a:p>
             <a:pPr fontAlgn="base"/>
@@ -5312,6 +5283,13 @@
               </a:rPr>
               <a:t>Always located within/under a directory file.</a:t>
             </a:r>
+            <a:endParaRPr lang="en-US" dirty="0">
+              <a:solidFill>
+                <a:srgbClr val="273239"/>
+              </a:solidFill>
+              <a:latin typeface="Times New Roman" panose="02020603050405020304" pitchFamily="18" charset="0"/>
+              <a:cs typeface="Times New Roman" panose="02020603050405020304" pitchFamily="18" charset="0"/>
+            </a:endParaRPr>
           </a:p>
           <a:p>
             <a:pPr fontAlgn="base"/>
@@ -5325,6 +5303,13 @@
               </a:rPr>
               <a:t>Do not contain other files.</a:t>
             </a:r>
+            <a:endParaRPr lang="en-US" dirty="0">
+              <a:solidFill>
+                <a:srgbClr val="273239"/>
+              </a:solidFill>
+              <a:latin typeface="Times New Roman" panose="02020603050405020304" pitchFamily="18" charset="0"/>
+              <a:cs typeface="Times New Roman" panose="02020603050405020304" pitchFamily="18" charset="0"/>
+            </a:endParaRPr>
           </a:p>
           <a:p>
             <a:pPr fontAlgn="base"/>
@@ -5358,6 +5343,13 @@
               </a:rPr>
               <a:t> -l, this type of file is specified by the “-” symbol.</a:t>
             </a:r>
+            <a:endParaRPr lang="en-US" dirty="0">
+              <a:solidFill>
+                <a:srgbClr val="273239"/>
+              </a:solidFill>
+              <a:latin typeface="Times New Roman" panose="02020603050405020304" pitchFamily="18" charset="0"/>
+              <a:cs typeface="Times New Roman" panose="02020603050405020304" pitchFamily="18" charset="0"/>
+            </a:endParaRPr>
           </a:p>
           <a:p>
             <a:endParaRPr lang="en-IN" dirty="0"/>
@@ -5365,11 +5357,6 @@
         </p:txBody>
       </p:sp>
     </p:spTree>
-    <p:extLst>
-      <p:ext uri="{BB962C8B-B14F-4D97-AF65-F5344CB8AC3E}">
-        <p14:creationId xmlns:p14="http://schemas.microsoft.com/office/powerpoint/2010/main" val="3910034831"/>
-      </p:ext>
-    </p:extLst>
   </p:cSld>
   <p:clrMapOvr>
     <a:masterClrMapping/>
@@ -5450,6 +5437,13 @@
               </a:rPr>
               <a:t>2. Directories – </a:t>
             </a:r>
+            <a:endParaRPr lang="en-US" b="1" dirty="0">
+              <a:solidFill>
+                <a:srgbClr val="273239"/>
+              </a:solidFill>
+              <a:latin typeface="Times New Roman" panose="02020603050405020304" pitchFamily="18" charset="0"/>
+              <a:cs typeface="Times New Roman" panose="02020603050405020304" pitchFamily="18" charset="0"/>
+            </a:endParaRPr>
           </a:p>
           <a:p>
             <a:pPr fontAlgn="base"/>
@@ -5463,6 +5457,13 @@
               </a:rPr>
               <a:t>Directories store both special and ordinary files. For users familiar with Windows or Mac OS, UNIX directories are equivalent to folders. A directory file contains an entry for every file and subdirectory that it houses. If you have 10 files in a directory, there will be 10 entries in the directory. Each entry has two components. </a:t>
             </a:r>
+            <a:endParaRPr lang="en-US" dirty="0">
+              <a:solidFill>
+                <a:srgbClr val="273239"/>
+              </a:solidFill>
+              <a:latin typeface="Times New Roman" panose="02020603050405020304" pitchFamily="18" charset="0"/>
+              <a:cs typeface="Times New Roman" panose="02020603050405020304" pitchFamily="18" charset="0"/>
+            </a:endParaRPr>
           </a:p>
           <a:p>
             <a:pPr fontAlgn="base"/>
@@ -5476,6 +5477,13 @@
               </a:rPr>
               <a:t>(1) The Filename </a:t>
             </a:r>
+            <a:endParaRPr lang="en-US" dirty="0">
+              <a:solidFill>
+                <a:srgbClr val="273239"/>
+              </a:solidFill>
+              <a:latin typeface="Times New Roman" panose="02020603050405020304" pitchFamily="18" charset="0"/>
+              <a:cs typeface="Times New Roman" panose="02020603050405020304" pitchFamily="18" charset="0"/>
+            </a:endParaRPr>
           </a:p>
           <a:p>
             <a:pPr fontAlgn="base"/>
@@ -5509,6 +5517,13 @@
               </a:rPr>
               <a:t> number)</a:t>
             </a:r>
+            <a:endParaRPr lang="en-US" dirty="0">
+              <a:solidFill>
+                <a:srgbClr val="273239"/>
+              </a:solidFill>
+              <a:latin typeface="Times New Roman" panose="02020603050405020304" pitchFamily="18" charset="0"/>
+              <a:cs typeface="Times New Roman" panose="02020603050405020304" pitchFamily="18" charset="0"/>
+            </a:endParaRPr>
           </a:p>
           <a:p>
             <a:pPr fontAlgn="base"/>
@@ -5519,6 +5534,10 @@
               </a:rPr>
               <a:t>Branching points in the hierarchical tree.</a:t>
             </a:r>
+            <a:endParaRPr lang="en-US" dirty="0">
+              <a:latin typeface="Times New Roman" panose="02020603050405020304" pitchFamily="18" charset="0"/>
+              <a:cs typeface="Times New Roman" panose="02020603050405020304" pitchFamily="18" charset="0"/>
+            </a:endParaRPr>
           </a:p>
           <a:p>
             <a:pPr fontAlgn="base"/>
@@ -5529,6 +5548,10 @@
               </a:rPr>
               <a:t>Used to organize groups of files.</a:t>
             </a:r>
+            <a:endParaRPr lang="en-US" dirty="0">
+              <a:latin typeface="Times New Roman" panose="02020603050405020304" pitchFamily="18" charset="0"/>
+              <a:cs typeface="Times New Roman" panose="02020603050405020304" pitchFamily="18" charset="0"/>
+            </a:endParaRPr>
           </a:p>
           <a:p>
             <a:pPr fontAlgn="base"/>
@@ -5539,6 +5562,10 @@
               </a:rPr>
               <a:t>May contain ordinary files, special files or other directories.</a:t>
             </a:r>
+            <a:endParaRPr lang="en-US" dirty="0">
+              <a:latin typeface="Times New Roman" panose="02020603050405020304" pitchFamily="18" charset="0"/>
+              <a:cs typeface="Times New Roman" panose="02020603050405020304" pitchFamily="18" charset="0"/>
+            </a:endParaRPr>
           </a:p>
           <a:p>
             <a:pPr fontAlgn="base"/>
@@ -5549,6 +5576,10 @@
               </a:rPr>
               <a:t>Never contain “real” information which you would work with (such as text). Basically, just used for organizing files.</a:t>
             </a:r>
+            <a:endParaRPr lang="en-US" dirty="0">
+              <a:latin typeface="Times New Roman" panose="02020603050405020304" pitchFamily="18" charset="0"/>
+              <a:cs typeface="Times New Roman" panose="02020603050405020304" pitchFamily="18" charset="0"/>
+            </a:endParaRPr>
           </a:p>
           <a:p>
             <a:pPr fontAlgn="base"/>
@@ -5559,6 +5590,10 @@
               </a:rPr>
               <a:t>All files are descendants of the root directory, ( named / ) located at the top of the tree.</a:t>
             </a:r>
+            <a:endParaRPr lang="en-US" dirty="0">
+              <a:latin typeface="Times New Roman" panose="02020603050405020304" pitchFamily="18" charset="0"/>
+              <a:cs typeface="Times New Roman" panose="02020603050405020304" pitchFamily="18" charset="0"/>
+            </a:endParaRPr>
           </a:p>
           <a:p>
             <a:pPr fontAlgn="base"/>
@@ -5611,11 +5646,6 @@
         </p:txBody>
       </p:sp>
     </p:spTree>
-    <p:extLst>
-      <p:ext uri="{BB962C8B-B14F-4D97-AF65-F5344CB8AC3E}">
-        <p14:creationId xmlns:p14="http://schemas.microsoft.com/office/powerpoint/2010/main" val="181319337"/>
-      </p:ext>
-    </p:extLst>
   </p:cSld>
   <p:clrMapOvr>
     <a:masterClrMapping/>
@@ -5693,6 +5723,10 @@
               </a:rPr>
               <a:t>Special Files – </a:t>
             </a:r>
+            <a:endParaRPr lang="en-US" b="1" dirty="0">
+              <a:latin typeface="Times New Roman" panose="02020603050405020304" pitchFamily="18" charset="0"/>
+              <a:cs typeface="Times New Roman" panose="02020603050405020304" pitchFamily="18" charset="0"/>
+            </a:endParaRPr>
           </a:p>
           <a:p>
             <a:pPr fontAlgn="base"/>
@@ -5731,6 +5765,10 @@
               </a:rPr>
               <a:t> are used for device Input/Output(I/O) on UNIX and Linux systems. They appear in a file system just like an ordinary file or a directory. On UNIX systems there are two flavors of special files for each device, character special files and block special files :</a:t>
             </a:r>
+            <a:endParaRPr lang="en-US" sz="2600" dirty="0">
+              <a:latin typeface="Times New Roman" panose="02020603050405020304" pitchFamily="18" charset="0"/>
+              <a:cs typeface="Times New Roman" panose="02020603050405020304" pitchFamily="18" charset="0"/>
+            </a:endParaRPr>
           </a:p>
           <a:p>
             <a:pPr fontAlgn="base"/>
@@ -5741,6 +5779,10 @@
               </a:rPr>
               <a:t>When a character special file is used for device Input/Output(I/O), data is transferred one character at a time. This type of access is called raw device access.</a:t>
             </a:r>
+            <a:endParaRPr lang="en-US" sz="2600" dirty="0">
+              <a:latin typeface="Times New Roman" panose="02020603050405020304" pitchFamily="18" charset="0"/>
+              <a:cs typeface="Times New Roman" panose="02020603050405020304" pitchFamily="18" charset="0"/>
+            </a:endParaRPr>
           </a:p>
           <a:p>
             <a:pPr fontAlgn="base"/>
@@ -5751,6 +5793,10 @@
               </a:rPr>
               <a:t>When a block special file is used for device Input/Output(I/O), data is transferred in large fixed-size blocks. This type of access is called block device access.</a:t>
             </a:r>
+            <a:endParaRPr lang="en-US" sz="2600" dirty="0">
+              <a:latin typeface="Times New Roman" panose="02020603050405020304" pitchFamily="18" charset="0"/>
+              <a:cs typeface="Times New Roman" panose="02020603050405020304" pitchFamily="18" charset="0"/>
+            </a:endParaRPr>
           </a:p>
           <a:p>
             <a:pPr fontAlgn="base"/>
@@ -5761,6 +5807,10 @@
               </a:rPr>
               <a:t>For terminal devices, it’s one character at a time. For disk devices though, raw access means reading or writing in whole chunks of data – blocks, which are native to your disk.</a:t>
             </a:r>
+            <a:endParaRPr lang="en-US" sz="2600" dirty="0">
+              <a:latin typeface="Times New Roman" panose="02020603050405020304" pitchFamily="18" charset="0"/>
+              <a:cs typeface="Times New Roman" panose="02020603050405020304" pitchFamily="18" charset="0"/>
+            </a:endParaRPr>
           </a:p>
           <a:p>
             <a:pPr fontAlgn="base"/>
@@ -5785,6 +5835,10 @@
               </a:rPr>
               <a:t> -l, character special files are marked by the “c” symbol.</a:t>
             </a:r>
+            <a:endParaRPr lang="en-US" sz="2600" dirty="0">
+              <a:latin typeface="Times New Roman" panose="02020603050405020304" pitchFamily="18" charset="0"/>
+              <a:cs typeface="Times New Roman" panose="02020603050405020304" pitchFamily="18" charset="0"/>
+            </a:endParaRPr>
           </a:p>
           <a:p>
             <a:pPr fontAlgn="base"/>
@@ -5809,6 +5863,10 @@
               </a:rPr>
               <a:t> -l, block special files are marked by the “b” symbol.</a:t>
             </a:r>
+            <a:endParaRPr lang="en-US" sz="2600" dirty="0">
+              <a:latin typeface="Times New Roman" panose="02020603050405020304" pitchFamily="18" charset="0"/>
+              <a:cs typeface="Times New Roman" panose="02020603050405020304" pitchFamily="18" charset="0"/>
+            </a:endParaRPr>
           </a:p>
           <a:p>
             <a:endParaRPr lang="en-IN" dirty="0">
@@ -5819,11 +5877,6 @@
         </p:txBody>
       </p:sp>
     </p:spTree>
-    <p:extLst>
-      <p:ext uri="{BB962C8B-B14F-4D97-AF65-F5344CB8AC3E}">
-        <p14:creationId xmlns:p14="http://schemas.microsoft.com/office/powerpoint/2010/main" val="2384231739"/>
-      </p:ext>
-    </p:extLst>
   </p:cSld>
   <p:clrMapOvr>
     <a:masterClrMapping/>
@@ -5897,12 +5950,14 @@
               <a:rPr lang="en-US" b="1" dirty="0"/>
               <a:t>4. Pipes – </a:t>
             </a:r>
+            <a:endParaRPr lang="en-US" b="1" dirty="0"/>
           </a:p>
           <a:p>
             <a:r>
               <a:rPr lang="en-US" dirty="0"/>
               <a:t>UNIX allows you to link commands together using a pipe. The pipe acts a temporary file which only exists to hold data from one command until it is read by another.</a:t>
             </a:r>
+            <a:endParaRPr lang="en-US" dirty="0"/>
           </a:p>
           <a:p>
             <a:r>
@@ -5917,12 +5972,14 @@
               <a:rPr lang="en-US" dirty="0"/>
               <a:t> output or result of the first command sequence is used as the input to the second command sequence. </a:t>
             </a:r>
+            <a:endParaRPr lang="en-US" dirty="0"/>
           </a:p>
           <a:p>
             <a:r>
               <a:rPr lang="en-US" dirty="0"/>
               <a:t>To make a pipe, put a vertical bar (|) on the command line between two commands.</a:t>
             </a:r>
+            <a:endParaRPr lang="en-US" dirty="0"/>
           </a:p>
           <a:p>
             <a:r>
@@ -5953,6 +6010,7 @@
               <a:rPr lang="en-US" dirty="0"/>
               <a:t> –l , named pipes are marked by the “p” symbol. </a:t>
             </a:r>
+            <a:endParaRPr lang="en-US" dirty="0"/>
           </a:p>
           <a:p>
             <a:r>
@@ -5963,6 +6021,7 @@
               <a:rPr lang="en-US" dirty="0"/>
               <a:t>A Unix socket (or Inter-process communication socket) is a special file which allows for advanced inter-process communication. </a:t>
             </a:r>
+            <a:endParaRPr lang="en-US" dirty="0"/>
           </a:p>
           <a:p>
             <a:r>
@@ -5977,6 +6036,7 @@
               <a:rPr lang="en-US" dirty="0"/>
               <a:t>.</a:t>
             </a:r>
+            <a:endParaRPr lang="en-US" dirty="0"/>
           </a:p>
           <a:p>
             <a:r>
@@ -5999,11 +6059,6 @@
         </p:txBody>
       </p:sp>
     </p:spTree>
-    <p:extLst>
-      <p:ext uri="{BB962C8B-B14F-4D97-AF65-F5344CB8AC3E}">
-        <p14:creationId xmlns:p14="http://schemas.microsoft.com/office/powerpoint/2010/main" val="2000524894"/>
-      </p:ext>
-    </p:extLst>
   </p:cSld>
   <p:clrMapOvr>
     <a:masterClrMapping/>
@@ -6076,15 +6131,11 @@
               <a:rPr lang="en-IN" dirty="0"/>
               <a:t>File Tree, File Types, File Attributes, Access Control lists</a:t>
             </a:r>
+            <a:endParaRPr lang="en-IN" dirty="0"/>
           </a:p>
         </p:txBody>
       </p:sp>
     </p:spTree>
-    <p:extLst>
-      <p:ext uri="{BB962C8B-B14F-4D97-AF65-F5344CB8AC3E}">
-        <p14:creationId xmlns:p14="http://schemas.microsoft.com/office/powerpoint/2010/main" val="2794792916"/>
-      </p:ext>
-    </p:extLst>
   </p:cSld>
   <p:clrMapOvr>
     <a:masterClrMapping/>
@@ -6158,30 +6209,35 @@
               <a:rPr lang="en-US" b="1" dirty="0"/>
               <a:t>6. Symbolic Link – </a:t>
             </a:r>
+            <a:endParaRPr lang="en-US" b="1" dirty="0"/>
           </a:p>
           <a:p>
             <a:r>
               <a:rPr lang="en-US" dirty="0"/>
               <a:t>Symbolic link is used for referencing some other file of the file system. Symbolic link is also known as Soft link. </a:t>
             </a:r>
+            <a:endParaRPr lang="en-US" dirty="0"/>
           </a:p>
           <a:p>
             <a:r>
               <a:rPr lang="en-US" dirty="0"/>
               <a:t>It contains a text form of the path to the file it references. </a:t>
             </a:r>
+            <a:endParaRPr lang="en-US" dirty="0"/>
           </a:p>
           <a:p>
             <a:r>
               <a:rPr lang="en-US" dirty="0"/>
               <a:t>To an end user, symbolic link will appear to have its own name, but when you try reading or writing data to this file, it will instead reference these operations to the file it points to. </a:t>
             </a:r>
+            <a:endParaRPr lang="en-US" dirty="0"/>
           </a:p>
           <a:p>
             <a:r>
               <a:rPr lang="en-US" dirty="0"/>
               <a:t>If we delete the soft link itself , the data file would still be there.</a:t>
             </a:r>
+            <a:endParaRPr lang="en-US" dirty="0"/>
           </a:p>
           <a:p>
             <a:r>
@@ -6204,11 +6260,6 @@
         </p:txBody>
       </p:sp>
     </p:spTree>
-    <p:extLst>
-      <p:ext uri="{BB962C8B-B14F-4D97-AF65-F5344CB8AC3E}">
-        <p14:creationId xmlns:p14="http://schemas.microsoft.com/office/powerpoint/2010/main" val="2514872210"/>
-      </p:ext>
-    </p:extLst>
   </p:cSld>
   <p:clrMapOvr>
     <a:masterClrMapping/>
@@ -6252,6 +6303,7 @@
               <a:rPr lang="en-IN" dirty="0"/>
               <a:t>Access Control lists(ACL)</a:t>
             </a:r>
+            <a:endParaRPr lang="en-IN" dirty="0"/>
           </a:p>
         </p:txBody>
       </p:sp>
@@ -6279,6 +6331,10 @@
               </a:rPr>
               <a:t>Why we need ACLs</a:t>
             </a:r>
+            <a:endParaRPr lang="en-US" sz="2200" dirty="0">
+              <a:latin typeface="Times New Roman" panose="02020603050405020304" pitchFamily="18" charset="0"/>
+              <a:cs typeface="Times New Roman" panose="02020603050405020304" pitchFamily="18" charset="0"/>
+            </a:endParaRPr>
           </a:p>
           <a:p>
             <a:r>
@@ -6288,6 +6344,10 @@
               </a:rPr>
               <a:t>Every file on any UNIX file system will have an owner/group and set of permissions. Imagine a case when multiple users need access to the same file and the users are from different groups. The file access control lists (FACLs) or simply ACLs are the list of additional users/groups and their permission to the file.</a:t>
             </a:r>
+            <a:endParaRPr lang="en-US" sz="2200" dirty="0">
+              <a:latin typeface="Times New Roman" panose="02020603050405020304" pitchFamily="18" charset="0"/>
+              <a:cs typeface="Times New Roman" panose="02020603050405020304" pitchFamily="18" charset="0"/>
+            </a:endParaRPr>
           </a:p>
           <a:p>
             <a:pPr eaLnBrk="0" fontAlgn="base" hangingPunct="0">
@@ -6556,9 +6616,6 @@
         </p:spPr>
         <p:txBody>
           <a:bodyPr vert="horz" wrap="none" lIns="91440" tIns="45720" rIns="91440" bIns="45720" numCol="1" anchor="ctr" anchorCtr="0" compatLnSpc="1">
-            <a:prstTxWarp prst="textNoShape">
-              <a:avLst/>
-            </a:prstTxWarp>
             <a:spAutoFit/>
           </a:bodyPr>
           <a:lstStyle>
@@ -6704,7 +6761,6 @@
               <a:buSzTx/>
               <a:buFontTx/>
               <a:buNone/>
-              <a:tabLst/>
             </a:pPr>
             <a:endParaRPr kumimoji="0" lang="en-US" sz="1800" b="0" i="0" u="none" strike="noStrike" cap="none" normalizeH="0" baseline="0" dirty="0">
               <a:ln>
@@ -6720,20 +6776,10 @@
         </p:txBody>
       </p:sp>
     </p:spTree>
-    <p:extLst>
-      <p:ext uri="{BB962C8B-B14F-4D97-AF65-F5344CB8AC3E}">
-        <p14:creationId xmlns:p14="http://schemas.microsoft.com/office/powerpoint/2010/main" val="799406624"/>
-      </p:ext>
-    </p:extLst>
   </p:cSld>
   <p:clrMapOvr>
     <a:masterClrMapping/>
   </p:clrMapOvr>
-  <p:extLst>
-    <p:ext uri="{6950BFC3-D8DA-4A85-94F7-54DA5524770B}">
-      <p188:commentRel xmlns:p188="http://schemas.microsoft.com/office/powerpoint/2018/8/main" r:id="rId2"/>
-    </p:ext>
-  </p:extLst>
 </p:sld>
 </file>
 
@@ -6773,6 +6819,7 @@
               <a:rPr lang="en-IN" dirty="0"/>
               <a:t>Access Control lists(ACL)</a:t>
             </a:r>
+            <a:endParaRPr lang="en-IN" dirty="0"/>
           </a:p>
         </p:txBody>
       </p:sp>
@@ -6823,9 +6870,6 @@
         </p:spPr>
         <p:txBody>
           <a:bodyPr vert="horz" wrap="none" lIns="91440" tIns="45720" rIns="91440" bIns="45720" numCol="1" anchor="ctr" anchorCtr="0" compatLnSpc="1">
-            <a:prstTxWarp prst="textNoShape">
-              <a:avLst/>
-            </a:prstTxWarp>
             <a:spAutoFit/>
           </a:bodyPr>
           <a:lstStyle>
@@ -6971,7 +7015,6 @@
               <a:buSzTx/>
               <a:buFontTx/>
               <a:buNone/>
-              <a:tabLst/>
             </a:pPr>
             <a:endParaRPr kumimoji="0" lang="en-US" sz="1800" b="0" i="0" u="none" strike="noStrike" cap="none" normalizeH="0" baseline="0" dirty="0">
               <a:ln>
@@ -7035,9 +7078,6 @@
         </p:spPr>
         <p:txBody>
           <a:bodyPr vert="horz" wrap="square" lIns="91440" tIns="45720" rIns="91440" bIns="45720" numCol="1" anchor="ctr" anchorCtr="0" compatLnSpc="1">
-            <a:prstTxWarp prst="textNoShape">
-              <a:avLst/>
-            </a:prstTxWarp>
             <a:spAutoFit/>
           </a:bodyPr>
           <a:lstStyle>
@@ -7183,7 +7223,6 @@
               <a:buSzTx/>
               <a:buFontTx/>
               <a:buNone/>
-              <a:tabLst/>
             </a:pPr>
             <a:r>
               <a:rPr kumimoji="0" lang="en-US" sz="2200" b="0" i="0" u="none" strike="noStrike" cap="none" normalizeH="0" baseline="0" dirty="0">
@@ -7254,7 +7293,6 @@
               <a:buSzTx/>
               <a:buFontTx/>
               <a:buNone/>
-              <a:tabLst/>
             </a:pPr>
             <a:r>
               <a:rPr kumimoji="0" lang="en-US" sz="2200" b="0" i="0" u="none" strike="noStrike" cap="none" normalizeH="0" baseline="0" dirty="0">
@@ -7326,6 +7364,17 @@
               </a:rPr>
               <a:t>/test </a:t>
             </a:r>
+            <a:endParaRPr kumimoji="0" lang="en-US" sz="2200" b="0" i="0" u="none" strike="noStrike" cap="none" normalizeH="0" baseline="0" dirty="0">
+              <a:ln>
+                <a:noFill/>
+              </a:ln>
+              <a:solidFill>
+                <a:srgbClr val="000000"/>
+              </a:solidFill>
+              <a:effectLst/>
+              <a:latin typeface="Times New Roman" panose="02020603050405020304" pitchFamily="18" charset="0"/>
+              <a:cs typeface="Times New Roman" panose="02020603050405020304" pitchFamily="18" charset="0"/>
+            </a:endParaRPr>
           </a:p>
           <a:p>
             <a:pPr marL="0" marR="0" lvl="0" indent="0" algn="l" defTabSz="914400" rtl="0" eaLnBrk="0" fontAlgn="base" latinLnBrk="0" hangingPunct="0">
@@ -7342,7 +7391,6 @@
               <a:buSzTx/>
               <a:buFontTx/>
               <a:buNone/>
-              <a:tabLst/>
             </a:pPr>
             <a:r>
               <a:rPr kumimoji="0" lang="en-US" sz="2200" b="0" i="0" u="none" strike="noStrike" cap="none" normalizeH="0" baseline="0" dirty="0">
@@ -7358,6 +7406,17 @@
               </a:rPr>
               <a:t># file: test </a:t>
             </a:r>
+            <a:endParaRPr kumimoji="0" lang="en-US" sz="2200" b="0" i="0" u="none" strike="noStrike" cap="none" normalizeH="0" baseline="0" dirty="0">
+              <a:ln>
+                <a:noFill/>
+              </a:ln>
+              <a:solidFill>
+                <a:srgbClr val="000000"/>
+              </a:solidFill>
+              <a:effectLst/>
+              <a:latin typeface="Times New Roman" panose="02020603050405020304" pitchFamily="18" charset="0"/>
+              <a:cs typeface="Times New Roman" panose="02020603050405020304" pitchFamily="18" charset="0"/>
+            </a:endParaRPr>
           </a:p>
           <a:p>
             <a:pPr marL="0" marR="0" lvl="0" indent="0" algn="l" defTabSz="914400" rtl="0" eaLnBrk="0" fontAlgn="base" latinLnBrk="0" hangingPunct="0">
@@ -7374,7 +7433,6 @@
               <a:buSzTx/>
               <a:buFontTx/>
               <a:buNone/>
-              <a:tabLst/>
             </a:pPr>
             <a:r>
               <a:rPr kumimoji="0" lang="en-US" sz="2200" b="0" i="0" u="none" strike="noStrike" cap="none" normalizeH="0" baseline="0" dirty="0">
@@ -7390,6 +7448,17 @@
               </a:rPr>
               <a:t># owner: root </a:t>
             </a:r>
+            <a:endParaRPr kumimoji="0" lang="en-US" sz="2200" b="0" i="0" u="none" strike="noStrike" cap="none" normalizeH="0" baseline="0" dirty="0">
+              <a:ln>
+                <a:noFill/>
+              </a:ln>
+              <a:solidFill>
+                <a:srgbClr val="000000"/>
+              </a:solidFill>
+              <a:effectLst/>
+              <a:latin typeface="Times New Roman" panose="02020603050405020304" pitchFamily="18" charset="0"/>
+              <a:cs typeface="Times New Roman" panose="02020603050405020304" pitchFamily="18" charset="0"/>
+            </a:endParaRPr>
           </a:p>
           <a:p>
             <a:pPr marL="0" marR="0" lvl="0" indent="0" algn="l" defTabSz="914400" rtl="0" eaLnBrk="0" fontAlgn="base" latinLnBrk="0" hangingPunct="0">
@@ -7406,7 +7475,6 @@
               <a:buSzTx/>
               <a:buFontTx/>
               <a:buNone/>
-              <a:tabLst/>
             </a:pPr>
             <a:r>
               <a:rPr kumimoji="0" lang="en-US" sz="2200" b="0" i="0" u="none" strike="noStrike" cap="none" normalizeH="0" baseline="0" dirty="0">
@@ -7422,6 +7490,17 @@
               </a:rPr>
               <a:t># group: root </a:t>
             </a:r>
+            <a:endParaRPr kumimoji="0" lang="en-US" sz="2200" b="0" i="0" u="none" strike="noStrike" cap="none" normalizeH="0" baseline="0" dirty="0">
+              <a:ln>
+                <a:noFill/>
+              </a:ln>
+              <a:solidFill>
+                <a:srgbClr val="000000"/>
+              </a:solidFill>
+              <a:effectLst/>
+              <a:latin typeface="Times New Roman" panose="02020603050405020304" pitchFamily="18" charset="0"/>
+              <a:cs typeface="Times New Roman" panose="02020603050405020304" pitchFamily="18" charset="0"/>
+            </a:endParaRPr>
           </a:p>
           <a:p>
             <a:pPr marL="0" marR="0" lvl="0" indent="0" algn="l" defTabSz="914400" rtl="0" eaLnBrk="0" fontAlgn="base" latinLnBrk="0" hangingPunct="0">
@@ -7438,7 +7517,6 @@
               <a:buSzTx/>
               <a:buFontTx/>
               <a:buNone/>
-              <a:tabLst/>
             </a:pPr>
             <a:r>
               <a:rPr kumimoji="0" lang="en-US" sz="2200" b="0" i="0" u="none" strike="noStrike" cap="none" normalizeH="0" baseline="0" dirty="0">
@@ -7482,6 +7560,17 @@
               </a:rPr>
               <a:t>- </a:t>
             </a:r>
+            <a:endParaRPr kumimoji="0" lang="en-US" sz="2200" b="0" i="0" u="none" strike="noStrike" cap="none" normalizeH="0" baseline="0" dirty="0">
+              <a:ln>
+                <a:noFill/>
+              </a:ln>
+              <a:solidFill>
+                <a:srgbClr val="000000"/>
+              </a:solidFill>
+              <a:effectLst/>
+              <a:latin typeface="Times New Roman" panose="02020603050405020304" pitchFamily="18" charset="0"/>
+              <a:cs typeface="Times New Roman" panose="02020603050405020304" pitchFamily="18" charset="0"/>
+            </a:endParaRPr>
           </a:p>
           <a:p>
             <a:pPr marL="0" marR="0" lvl="0" indent="0" algn="l" defTabSz="914400" rtl="0" eaLnBrk="0" fontAlgn="base" latinLnBrk="0" hangingPunct="0">
@@ -7498,7 +7587,6 @@
               <a:buSzTx/>
               <a:buFontTx/>
               <a:buNone/>
-              <a:tabLst/>
             </a:pPr>
             <a:r>
               <a:rPr kumimoji="0" lang="en-US" sz="2200" b="0" i="0" u="none" strike="noStrike" cap="none" normalizeH="0" baseline="0" dirty="0" err="1">
@@ -7528,6 +7616,17 @@
               </a:rPr>
               <a:t>-</a:t>
             </a:r>
+            <a:endParaRPr kumimoji="0" lang="en-US" sz="2200" b="0" i="0" u="none" strike="noStrike" cap="none" normalizeH="0" baseline="0" dirty="0">
+              <a:ln>
+                <a:noFill/>
+              </a:ln>
+              <a:solidFill>
+                <a:srgbClr val="000000"/>
+              </a:solidFill>
+              <a:effectLst/>
+              <a:latin typeface="Times New Roman" panose="02020603050405020304" pitchFamily="18" charset="0"/>
+              <a:cs typeface="Times New Roman" panose="02020603050405020304" pitchFamily="18" charset="0"/>
+            </a:endParaRPr>
           </a:p>
           <a:p>
             <a:pPr marL="0" marR="0" lvl="0" indent="0" algn="l" defTabSz="914400" rtl="0" eaLnBrk="0" fontAlgn="base" latinLnBrk="0" hangingPunct="0">
@@ -7544,7 +7643,6 @@
               <a:buSzTx/>
               <a:buFontTx/>
               <a:buNone/>
-              <a:tabLst/>
             </a:pPr>
             <a:r>
               <a:rPr kumimoji="0" lang="en-US" sz="2200" b="0" i="0" u="none" strike="noStrike" cap="none" normalizeH="0" baseline="0" dirty="0">
@@ -7588,6 +7686,17 @@
               </a:rPr>
               <a:t> </a:t>
             </a:r>
+            <a:endParaRPr kumimoji="0" lang="en-US" sz="2200" b="0" i="0" u="none" strike="noStrike" cap="none" normalizeH="0" baseline="0" dirty="0">
+              <a:ln>
+                <a:noFill/>
+              </a:ln>
+              <a:solidFill>
+                <a:srgbClr val="000000"/>
+              </a:solidFill>
+              <a:effectLst/>
+              <a:latin typeface="Times New Roman" panose="02020603050405020304" pitchFamily="18" charset="0"/>
+              <a:cs typeface="Times New Roman" panose="02020603050405020304" pitchFamily="18" charset="0"/>
+            </a:endParaRPr>
           </a:p>
           <a:p>
             <a:pPr marL="0" marR="0" lvl="0" indent="0" algn="l" defTabSz="914400" rtl="0" eaLnBrk="0" fontAlgn="base" latinLnBrk="0" hangingPunct="0">
@@ -7604,7 +7713,6 @@
               <a:buSzTx/>
               <a:buFontTx/>
               <a:buNone/>
-              <a:tabLst/>
             </a:pPr>
             <a:r>
               <a:rPr kumimoji="0" lang="en-US" sz="2200" b="0" i="0" u="none" strike="noStrike" cap="none" normalizeH="0" baseline="0" dirty="0">
@@ -7648,6 +7756,17 @@
               </a:rPr>
               <a:t> </a:t>
             </a:r>
+            <a:endParaRPr kumimoji="0" lang="en-US" sz="2200" b="0" i="0" u="none" strike="noStrike" cap="none" normalizeH="0" baseline="0">
+              <a:ln>
+                <a:noFill/>
+              </a:ln>
+              <a:solidFill>
+                <a:srgbClr val="000000"/>
+              </a:solidFill>
+              <a:effectLst/>
+              <a:latin typeface="Times New Roman" panose="02020603050405020304" pitchFamily="18" charset="0"/>
+              <a:cs typeface="Times New Roman" panose="02020603050405020304" pitchFamily="18" charset="0"/>
+            </a:endParaRPr>
           </a:p>
           <a:p>
             <a:pPr marL="0" marR="0" lvl="0" indent="0" algn="l" defTabSz="914400" rtl="0" eaLnBrk="0" fontAlgn="base" latinLnBrk="0" hangingPunct="0">
@@ -7664,7 +7783,6 @@
               <a:buSzTx/>
               <a:buFontTx/>
               <a:buNone/>
-              <a:tabLst/>
             </a:pPr>
             <a:r>
               <a:rPr kumimoji="0" lang="en-US" sz="2200" b="0" i="0" u="none" strike="noStrike" cap="none" normalizeH="0" baseline="0">
@@ -7721,7 +7839,6 @@
               <a:buSzTx/>
               <a:buFontTx/>
               <a:buNone/>
-              <a:tabLst/>
             </a:pPr>
             <a:r>
               <a:rPr kumimoji="0" lang="en-US" sz="2200" b="0" i="0" u="none" strike="noStrike" cap="none" normalizeH="0" baseline="0" dirty="0">
@@ -7780,11 +7897,6 @@
         </p:txBody>
       </p:sp>
     </p:spTree>
-    <p:extLst>
-      <p:ext uri="{BB962C8B-B14F-4D97-AF65-F5344CB8AC3E}">
-        <p14:creationId xmlns:p14="http://schemas.microsoft.com/office/powerpoint/2010/main" val="1460586876"/>
-      </p:ext>
-    </p:extLst>
   </p:cSld>
   <p:clrMapOvr>
     <a:masterClrMapping/>
@@ -7903,6 +8015,13 @@
               </a:rPr>
               <a:t> large amounts of information in a way that makes it easy to manage. </a:t>
             </a:r>
+            <a:endParaRPr lang="en-US" sz="2800" dirty="0">
+              <a:solidFill>
+                <a:srgbClr val="273239"/>
+              </a:solidFill>
+              <a:latin typeface="Times New Roman" panose="02020603050405020304" pitchFamily="18" charset="0"/>
+              <a:cs typeface="Times New Roman" panose="02020603050405020304" pitchFamily="18" charset="0"/>
+            </a:endParaRPr>
           </a:p>
           <a:p>
             <a:pPr marL="285750" indent="-285750" fontAlgn="base">
@@ -7919,6 +8038,13 @@
               </a:rPr>
               <a:t>A file is a smallest unit in which the information is stored. </a:t>
             </a:r>
+            <a:endParaRPr lang="en-US" sz="2800" dirty="0">
+              <a:solidFill>
+                <a:srgbClr val="273239"/>
+              </a:solidFill>
+              <a:latin typeface="Times New Roman" panose="02020603050405020304" pitchFamily="18" charset="0"/>
+              <a:cs typeface="Times New Roman" panose="02020603050405020304" pitchFamily="18" charset="0"/>
+            </a:endParaRPr>
           </a:p>
           <a:p>
             <a:pPr marL="285750" indent="-285750" fontAlgn="base">
@@ -7935,6 +8061,13 @@
               </a:rPr>
               <a:t>Unix file system has several important features. </a:t>
             </a:r>
+            <a:endParaRPr lang="en-US" sz="2800" dirty="0">
+              <a:solidFill>
+                <a:srgbClr val="273239"/>
+              </a:solidFill>
+              <a:latin typeface="Times New Roman" panose="02020603050405020304" pitchFamily="18" charset="0"/>
+              <a:cs typeface="Times New Roman" panose="02020603050405020304" pitchFamily="18" charset="0"/>
+            </a:endParaRPr>
           </a:p>
           <a:p>
             <a:pPr marL="285750" indent="-285750" fontAlgn="base">
@@ -7951,6 +8084,13 @@
               </a:rPr>
               <a:t>All data in Unix is organized into files. </a:t>
             </a:r>
+            <a:endParaRPr lang="en-US" sz="2800" dirty="0">
+              <a:solidFill>
+                <a:srgbClr val="273239"/>
+              </a:solidFill>
+              <a:latin typeface="Times New Roman" panose="02020603050405020304" pitchFamily="18" charset="0"/>
+              <a:cs typeface="Times New Roman" panose="02020603050405020304" pitchFamily="18" charset="0"/>
+            </a:endParaRPr>
           </a:p>
           <a:p>
             <a:pPr marL="285750" indent="-285750" fontAlgn="base">
@@ -7967,6 +8107,13 @@
               </a:rPr>
               <a:t>All files are organized into directories. </a:t>
             </a:r>
+            <a:endParaRPr lang="en-US" sz="2800" dirty="0">
+              <a:solidFill>
+                <a:srgbClr val="273239"/>
+              </a:solidFill>
+              <a:latin typeface="Times New Roman" panose="02020603050405020304" pitchFamily="18" charset="0"/>
+              <a:cs typeface="Times New Roman" panose="02020603050405020304" pitchFamily="18" charset="0"/>
+            </a:endParaRPr>
           </a:p>
           <a:p>
             <a:pPr marL="285750" indent="-285750" fontAlgn="base">
@@ -7983,6 +8130,13 @@
               </a:rPr>
               <a:t>These directories are organized into a tree-like structure called the file system. </a:t>
             </a:r>
+            <a:endParaRPr lang="en-US" sz="2800" dirty="0">
+              <a:solidFill>
+                <a:srgbClr val="273239"/>
+              </a:solidFill>
+              <a:latin typeface="Times New Roman" panose="02020603050405020304" pitchFamily="18" charset="0"/>
+              <a:cs typeface="Times New Roman" panose="02020603050405020304" pitchFamily="18" charset="0"/>
+            </a:endParaRPr>
           </a:p>
           <a:p>
             <a:pPr marL="285750" indent="-285750" fontAlgn="base">
@@ -7999,6 +8153,13 @@
               </a:rPr>
               <a:t>Files in Unix System are organized into multi-level hierarchy structure known as a directory tree. </a:t>
             </a:r>
+            <a:endParaRPr lang="en-US" sz="2800" dirty="0">
+              <a:solidFill>
+                <a:srgbClr val="273239"/>
+              </a:solidFill>
+              <a:latin typeface="Times New Roman" panose="02020603050405020304" pitchFamily="18" charset="0"/>
+              <a:cs typeface="Times New Roman" panose="02020603050405020304" pitchFamily="18" charset="0"/>
+            </a:endParaRPr>
           </a:p>
           <a:p>
             <a:pPr marL="285750" indent="-285750" fontAlgn="base">
@@ -8015,6 +8176,13 @@
               </a:rPr>
               <a:t>At the very top of the file system is a directory called “root” which is represented by a “/”. </a:t>
             </a:r>
+            <a:endParaRPr lang="en-US" sz="2800" dirty="0">
+              <a:solidFill>
+                <a:srgbClr val="273239"/>
+              </a:solidFill>
+              <a:latin typeface="Times New Roman" panose="02020603050405020304" pitchFamily="18" charset="0"/>
+              <a:cs typeface="Times New Roman" panose="02020603050405020304" pitchFamily="18" charset="0"/>
+            </a:endParaRPr>
           </a:p>
           <a:p>
             <a:pPr marL="285750" indent="-285750" fontAlgn="base">
@@ -8031,6 +8199,13 @@
               </a:rPr>
               <a:t>All other files are “descendants” of root. </a:t>
             </a:r>
+            <a:endParaRPr lang="en-US" sz="2800" dirty="0">
+              <a:solidFill>
+                <a:srgbClr val="273239"/>
+              </a:solidFill>
+              <a:latin typeface="Times New Roman" panose="02020603050405020304" pitchFamily="18" charset="0"/>
+              <a:cs typeface="Times New Roman" panose="02020603050405020304" pitchFamily="18" charset="0"/>
+            </a:endParaRPr>
           </a:p>
           <a:p>
             <a:br>
@@ -8047,11 +8222,6 @@
         </p:txBody>
       </p:sp>
     </p:spTree>
-    <p:extLst>
-      <p:ext uri="{BB962C8B-B14F-4D97-AF65-F5344CB8AC3E}">
-        <p14:creationId xmlns:p14="http://schemas.microsoft.com/office/powerpoint/2010/main" val="3188759981"/>
-      </p:ext>
-    </p:extLst>
   </p:cSld>
   <p:clrMapOvr>
     <a:masterClrMapping/>
@@ -8158,7 +8328,7 @@
           <p:nvPr/>
         </p:nvPicPr>
         <p:blipFill>
-          <a:blip r:embed="rId3">
+          <a:blip r:embed="rId1">
             <a:extLst>
               <a:ext uri="{28A0092B-C50C-407E-A947-70E740481C1C}">
                 <a14:useLocalDpi xmlns:a14="http://schemas.microsoft.com/office/drawing/2010/main" val="0"/>
@@ -8191,20 +8361,10 @@
         </p:spPr>
       </p:pic>
     </p:spTree>
-    <p:extLst>
-      <p:ext uri="{BB962C8B-B14F-4D97-AF65-F5344CB8AC3E}">
-        <p14:creationId xmlns:p14="http://schemas.microsoft.com/office/powerpoint/2010/main" val="715929777"/>
-      </p:ext>
-    </p:extLst>
   </p:cSld>
   <p:clrMapOvr>
     <a:masterClrMapping/>
   </p:clrMapOvr>
-  <p:extLst>
-    <p:ext uri="{6950BFC3-D8DA-4A85-94F7-54DA5524770B}">
-      <p188:commentRel xmlns:p188="http://schemas.microsoft.com/office/powerpoint/2018/8/main" r:id="rId2"/>
-    </p:ext>
-  </p:extLst>
 </p:sld>
 </file>
 
@@ -8306,8 +8466,8 @@
         </p:nvSpPr>
         <p:spPr>
           <a:xfrm>
-            <a:off x="510861" y="751344"/>
-            <a:ext cx="9985421" cy="6524863"/>
+            <a:off x="511175" y="751205"/>
+            <a:ext cx="11308715" cy="5846445"/>
           </a:xfrm>
           <a:prstGeom prst="rect">
             <a:avLst/>
@@ -8383,6 +8543,13 @@
               </a:rPr>
               <a:t> tree.</a:t>
             </a:r>
+            <a:endParaRPr lang="en-US" sz="2200" dirty="0">
+              <a:solidFill>
+                <a:srgbClr val="273239"/>
+              </a:solidFill>
+              <a:latin typeface="Times New Roman" panose="02020603050405020304" pitchFamily="18" charset="0"/>
+              <a:cs typeface="Times New Roman" panose="02020603050405020304" pitchFamily="18" charset="0"/>
+            </a:endParaRPr>
           </a:p>
           <a:p>
             <a:pPr algn="just" fontAlgn="base">
@@ -8449,6 +8616,13 @@
               </a:rPr>
               <a:t>, which are generally needed by all users.</a:t>
             </a:r>
+            <a:endParaRPr lang="en-US" sz="2200" dirty="0">
+              <a:solidFill>
+                <a:srgbClr val="273239"/>
+              </a:solidFill>
+              <a:latin typeface="Times New Roman" panose="02020603050405020304" pitchFamily="18" charset="0"/>
+              <a:cs typeface="Times New Roman" panose="02020603050405020304" pitchFamily="18" charset="0"/>
+            </a:endParaRPr>
           </a:p>
           <a:p>
             <a:pPr algn="just" fontAlgn="base">
@@ -8475,6 +8649,13 @@
               </a:rPr>
               <a:t>Contains all the files that are required for successful booting process.</a:t>
             </a:r>
+            <a:endParaRPr lang="en-US" sz="2200" dirty="0">
+              <a:solidFill>
+                <a:srgbClr val="273239"/>
+              </a:solidFill>
+              <a:latin typeface="Times New Roman" panose="02020603050405020304" pitchFamily="18" charset="0"/>
+              <a:cs typeface="Times New Roman" panose="02020603050405020304" pitchFamily="18" charset="0"/>
+            </a:endParaRPr>
           </a:p>
           <a:p>
             <a:pPr algn="just" fontAlgn="base">
@@ -8521,6 +8702,13 @@
               </a:rPr>
               <a:t>Stands for “devices”. Contains file representations of peripheral devices and pseudo-devices.</a:t>
             </a:r>
+            <a:endParaRPr lang="en-US" sz="2200" dirty="0">
+              <a:solidFill>
+                <a:srgbClr val="273239"/>
+              </a:solidFill>
+              <a:latin typeface="Times New Roman" panose="02020603050405020304" pitchFamily="18" charset="0"/>
+              <a:cs typeface="Times New Roman" panose="02020603050405020304" pitchFamily="18" charset="0"/>
+            </a:endParaRPr>
           </a:p>
           <a:p>
             <a:pPr algn="just" fontAlgn="base">
@@ -8607,6 +8795,13 @@
               </a:rPr>
               <a:t> or elsewhere.</a:t>
             </a:r>
+            <a:endParaRPr lang="en-US" sz="2200" dirty="0">
+              <a:solidFill>
+                <a:srgbClr val="273239"/>
+              </a:solidFill>
+              <a:latin typeface="Times New Roman" panose="02020603050405020304" pitchFamily="18" charset="0"/>
+              <a:cs typeface="Times New Roman" panose="02020603050405020304" pitchFamily="18" charset="0"/>
+            </a:endParaRPr>
           </a:p>
           <a:p>
             <a:pPr algn="just" fontAlgn="base">
@@ -8633,6 +8828,13 @@
               </a:rPr>
               <a:t>Contains the home directories for the users.</a:t>
             </a:r>
+            <a:endParaRPr lang="en-US" sz="2200" dirty="0">
+              <a:solidFill>
+                <a:srgbClr val="273239"/>
+              </a:solidFill>
+              <a:latin typeface="Times New Roman" panose="02020603050405020304" pitchFamily="18" charset="0"/>
+              <a:cs typeface="Times New Roman" panose="02020603050405020304" pitchFamily="18" charset="0"/>
+            </a:endParaRPr>
           </a:p>
           <a:p>
             <a:pPr algn="just" fontAlgn="base">
@@ -8659,6 +8861,13 @@
               </a:rPr>
               <a:t>Contains system libraries, and some critical files such as kernel modules or device  drivers.</a:t>
             </a:r>
+            <a:endParaRPr lang="en-US" sz="2200" dirty="0">
+              <a:solidFill>
+                <a:srgbClr val="273239"/>
+              </a:solidFill>
+              <a:latin typeface="Times New Roman" panose="02020603050405020304" pitchFamily="18" charset="0"/>
+              <a:cs typeface="Times New Roman" panose="02020603050405020304" pitchFamily="18" charset="0"/>
+            </a:endParaRPr>
           </a:p>
           <a:p>
             <a:pPr algn="just" fontAlgn="base">
@@ -8685,6 +8894,13 @@
               </a:rPr>
               <a:t>Default mount point for removable devices, such as USB sticks, media players, etc.</a:t>
             </a:r>
+            <a:endParaRPr lang="en-US" sz="2200" dirty="0">
+              <a:solidFill>
+                <a:srgbClr val="273239"/>
+              </a:solidFill>
+              <a:latin typeface="Times New Roman" panose="02020603050405020304" pitchFamily="18" charset="0"/>
+              <a:cs typeface="Times New Roman" panose="02020603050405020304" pitchFamily="18" charset="0"/>
+            </a:endParaRPr>
           </a:p>
           <a:p>
             <a:pPr indent="-285750" algn="just" fontAlgn="base">
@@ -8771,6 +8987,13 @@
               </a:rPr>
               <a:t>, CD-ROM/DVD drives, and so on.</a:t>
             </a:r>
+            <a:endParaRPr lang="en-US" sz="2200" dirty="0">
+              <a:solidFill>
+                <a:srgbClr val="273239"/>
+              </a:solidFill>
+              <a:latin typeface="Times New Roman" panose="02020603050405020304" pitchFamily="18" charset="0"/>
+              <a:cs typeface="Times New Roman" panose="02020603050405020304" pitchFamily="18" charset="0"/>
+            </a:endParaRPr>
           </a:p>
           <a:p>
             <a:pPr indent="-285750" algn="just" fontAlgn="base">
@@ -8877,15 +9100,17 @@
               </a:rPr>
               <a:t> showing information about processes as files.</a:t>
             </a:r>
+            <a:endParaRPr lang="en-US" sz="2200" dirty="0">
+              <a:solidFill>
+                <a:srgbClr val="273239"/>
+              </a:solidFill>
+              <a:latin typeface="Times New Roman" panose="02020603050405020304" pitchFamily="18" charset="0"/>
+              <a:cs typeface="Times New Roman" panose="02020603050405020304" pitchFamily="18" charset="0"/>
+            </a:endParaRPr>
           </a:p>
         </p:txBody>
       </p:sp>
     </p:spTree>
-    <p:extLst>
-      <p:ext uri="{BB962C8B-B14F-4D97-AF65-F5344CB8AC3E}">
-        <p14:creationId xmlns:p14="http://schemas.microsoft.com/office/powerpoint/2010/main" val="3106159683"/>
-      </p:ext>
-    </p:extLst>
   </p:cSld>
   <p:clrMapOvr>
     <a:masterClrMapping/>
@@ -9022,6 +9247,10 @@
               </a:rPr>
               <a:t>The home directory for the super user “root” – that is, the system administrator. This account’s home directory is usually on the initial file system, and hence not in /home (which may be a mount point for another file system) in case specific maintenance needs to be performed, during which other file systems are not available. Such a case could occur, for example, if a hard disk drive suffers physical failures and cannot be properly mounted.</a:t>
             </a:r>
+            <a:endParaRPr lang="en-US" sz="2200" dirty="0">
+              <a:latin typeface="Times New Roman" panose="02020603050405020304" pitchFamily="18" charset="0"/>
+              <a:cs typeface="Times New Roman" panose="02020603050405020304" pitchFamily="18" charset="0"/>
+            </a:endParaRPr>
           </a:p>
           <a:p>
             <a:pPr marL="285750" indent="-285750" fontAlgn="base">
@@ -9084,6 +9313,10 @@
               </a:rPr>
               <a:t> mounted atop it, in which case its contents do not survive a reboot, or it might be explicitly cleared by a startup script at boot time.</a:t>
             </a:r>
+            <a:endParaRPr lang="en-US" sz="2200" dirty="0">
+              <a:latin typeface="Times New Roman" panose="02020603050405020304" pitchFamily="18" charset="0"/>
+              <a:cs typeface="Times New Roman" panose="02020603050405020304" pitchFamily="18" charset="0"/>
+            </a:endParaRPr>
           </a:p>
           <a:p>
             <a:pPr marL="285750" indent="-285750" fontAlgn="base">
@@ -9160,6 +9393,10 @@
               </a:rPr>
               <a:t>. (on modern systems, these user accounts are often related to server or system use, and not directly used by a person).</a:t>
             </a:r>
+            <a:endParaRPr lang="en-US" sz="2200" dirty="0">
+              <a:latin typeface="Times New Roman" panose="02020603050405020304" pitchFamily="18" charset="0"/>
+              <a:cs typeface="Times New Roman" panose="02020603050405020304" pitchFamily="18" charset="0"/>
+            </a:endParaRPr>
           </a:p>
           <a:p>
             <a:pPr marL="285750" indent="-285750" fontAlgn="base">
@@ -9208,6 +9445,10 @@
               </a:rPr>
               <a:t> or (rarely) /etc.</a:t>
             </a:r>
+            <a:endParaRPr lang="en-US" sz="2200" dirty="0">
+              <a:latin typeface="Times New Roman" panose="02020603050405020304" pitchFamily="18" charset="0"/>
+              <a:cs typeface="Times New Roman" panose="02020603050405020304" pitchFamily="18" charset="0"/>
+            </a:endParaRPr>
           </a:p>
           <a:p>
             <a:pPr marL="285750" indent="-285750" fontAlgn="base">
@@ -9256,6 +9497,10 @@
               </a:rPr>
               <a:t>directive in C/C++ programming language.</a:t>
             </a:r>
+            <a:endParaRPr lang="en-US" sz="2200" dirty="0">
+              <a:latin typeface="Times New Roman" panose="02020603050405020304" pitchFamily="18" charset="0"/>
+              <a:cs typeface="Times New Roman" panose="02020603050405020304" pitchFamily="18" charset="0"/>
+            </a:endParaRPr>
           </a:p>
           <a:p>
             <a:pPr fontAlgn="base">
@@ -9274,11 +9519,6 @@
         </p:txBody>
       </p:sp>
     </p:spTree>
-    <p:extLst>
-      <p:ext uri="{BB962C8B-B14F-4D97-AF65-F5344CB8AC3E}">
-        <p14:creationId xmlns:p14="http://schemas.microsoft.com/office/powerpoint/2010/main" val="852479878"/>
-      </p:ext>
-    </p:extLst>
   </p:cSld>
   <p:clrMapOvr>
     <a:masterClrMapping/>
@@ -9443,6 +9683,10 @@
               </a:rPr>
               <a:t> or elsewhere.</a:t>
             </a:r>
+            <a:endParaRPr lang="en-US" sz="2200" dirty="0">
+              <a:latin typeface="Times New Roman" panose="02020603050405020304" pitchFamily="18" charset="0"/>
+              <a:cs typeface="Times New Roman" panose="02020603050405020304" pitchFamily="18" charset="0"/>
+            </a:endParaRPr>
           </a:p>
           <a:p>
             <a:pPr marL="342900" indent="-342900" fontAlgn="base">
@@ -9477,6 +9721,10 @@
               </a:rPr>
               <a:t>A short for “variable.” A place for files that may change often – especially in size, for example e-mail sent to users on the system, or process-ID lock files.</a:t>
             </a:r>
+            <a:endParaRPr lang="en-US" sz="2200" dirty="0">
+              <a:latin typeface="Times New Roman" panose="02020603050405020304" pitchFamily="18" charset="0"/>
+              <a:cs typeface="Times New Roman" panose="02020603050405020304" pitchFamily="18" charset="0"/>
+            </a:endParaRPr>
           </a:p>
           <a:p>
             <a:pPr marL="342900" indent="-342900" fontAlgn="base">
@@ -9511,6 +9759,10 @@
               </a:rPr>
               <a:t>Contains system log files.</a:t>
             </a:r>
+            <a:endParaRPr lang="en-US" sz="2200" dirty="0">
+              <a:latin typeface="Times New Roman" panose="02020603050405020304" pitchFamily="18" charset="0"/>
+              <a:cs typeface="Times New Roman" panose="02020603050405020304" pitchFamily="18" charset="0"/>
+            </a:endParaRPr>
           </a:p>
           <a:p>
             <a:pPr marL="342900" indent="-342900" fontAlgn="base">
@@ -9559,6 +9811,10 @@
               </a:rPr>
               <a:t>/spool/mail.</a:t>
             </a:r>
+            <a:endParaRPr lang="en-US" sz="2200" dirty="0">
+              <a:latin typeface="Times New Roman" panose="02020603050405020304" pitchFamily="18" charset="0"/>
+              <a:cs typeface="Times New Roman" panose="02020603050405020304" pitchFamily="18" charset="0"/>
+            </a:endParaRPr>
           </a:p>
           <a:p>
             <a:pPr marL="342900" indent="-342900" fontAlgn="base">
@@ -9593,6 +9849,10 @@
               </a:rPr>
               <a:t>Spool directory. Contains print jobs, mail spools and other queued tasks.</a:t>
             </a:r>
+            <a:endParaRPr lang="en-US" sz="2200" dirty="0">
+              <a:latin typeface="Times New Roman" panose="02020603050405020304" pitchFamily="18" charset="0"/>
+              <a:cs typeface="Times New Roman" panose="02020603050405020304" pitchFamily="18" charset="0"/>
+            </a:endParaRPr>
           </a:p>
           <a:p>
             <a:pPr marL="342900" indent="-342900" fontAlgn="base">
@@ -9641,6 +9901,10 @@
               </a:rPr>
               <a:t>A place for temporary files which should be preserved between system reboots.</a:t>
             </a:r>
+            <a:endParaRPr lang="en-US" sz="2200" dirty="0">
+              <a:latin typeface="Times New Roman" panose="02020603050405020304" pitchFamily="18" charset="0"/>
+              <a:cs typeface="Times New Roman" panose="02020603050405020304" pitchFamily="18" charset="0"/>
+            </a:endParaRPr>
           </a:p>
           <a:p>
             <a:pPr marL="342900" indent="-342900" fontAlgn="base">
@@ -9659,11 +9923,6 @@
         </p:txBody>
       </p:sp>
     </p:spTree>
-    <p:extLst>
-      <p:ext uri="{BB962C8B-B14F-4D97-AF65-F5344CB8AC3E}">
-        <p14:creationId xmlns:p14="http://schemas.microsoft.com/office/powerpoint/2010/main" val="425879035"/>
-      </p:ext>
-    </p:extLst>
   </p:cSld>
   <p:clrMapOvr>
     <a:masterClrMapping/>
@@ -9808,9 +10067,6 @@
         </p:spPr>
         <p:txBody>
           <a:bodyPr vert="horz" wrap="none" lIns="317400" tIns="45720" rIns="91440" bIns="45720" numCol="1" anchor="ctr" anchorCtr="0" compatLnSpc="1">
-            <a:prstTxWarp prst="textNoShape">
-              <a:avLst/>
-            </a:prstTxWarp>
             <a:spAutoFit/>
           </a:bodyPr>
           <a:lstStyle>
@@ -9956,7 +10212,6 @@
               <a:buSzTx/>
               <a:buFontTx/>
               <a:buNone/>
-              <a:tabLst/>
             </a:pPr>
             <a:endParaRPr kumimoji="0" lang="en-US" sz="1800" b="0" i="0" u="none" strike="noStrike" cap="none" normalizeH="0" baseline="0" dirty="0">
               <a:ln>
@@ -10052,6 +10307,13 @@
               </a:rPr>
               <a:t>) </a:t>
             </a:r>
+            <a:endParaRPr lang="en-US" sz="2400" dirty="0">
+              <a:solidFill>
+                <a:srgbClr val="000000"/>
+              </a:solidFill>
+              <a:latin typeface="Times New Roman" panose="02020603050405020304" pitchFamily="18" charset="0"/>
+              <a:cs typeface="Times New Roman" panose="02020603050405020304" pitchFamily="18" charset="0"/>
+            </a:endParaRPr>
           </a:p>
           <a:p>
             <a:pPr marL="457200" lvl="0" indent="-457200" eaLnBrk="0" fontAlgn="base" hangingPunct="0">
@@ -10184,6 +10446,13 @@
               </a:rPr>
               <a:t>, etc. </a:t>
             </a:r>
+            <a:endParaRPr lang="en-US" sz="2400" dirty="0">
+              <a:solidFill>
+                <a:srgbClr val="000000"/>
+              </a:solidFill>
+              <a:latin typeface="Times New Roman" panose="02020603050405020304" pitchFamily="18" charset="0"/>
+              <a:cs typeface="Times New Roman" panose="02020603050405020304" pitchFamily="18" charset="0"/>
+            </a:endParaRPr>
           </a:p>
           <a:p>
             <a:pPr marL="457200" lvl="0" indent="-457200" eaLnBrk="0" fontAlgn="base" hangingPunct="0">
@@ -10226,6 +10495,13 @@
               </a:rPr>
               <a:t> is a path-of-names that indicates how to find something in the hierarchical file system tree. </a:t>
             </a:r>
+            <a:endParaRPr lang="en-US" sz="2400" dirty="0">
+              <a:solidFill>
+                <a:srgbClr val="000000"/>
+              </a:solidFill>
+              <a:latin typeface="Times New Roman" panose="02020603050405020304" pitchFamily="18" charset="0"/>
+              <a:cs typeface="Times New Roman" panose="02020603050405020304" pitchFamily="18" charset="0"/>
+            </a:endParaRPr>
           </a:p>
           <a:p>
             <a:pPr marL="457200" lvl="0" indent="-457200" eaLnBrk="0" fontAlgn="base" hangingPunct="0">
@@ -10417,6 +10693,13 @@
               </a:rPr>
               <a:t> </a:t>
             </a:r>
+            <a:endParaRPr lang="en-US" sz="2400" b="1" dirty="0">
+              <a:solidFill>
+                <a:srgbClr val="000000"/>
+              </a:solidFill>
+              <a:latin typeface="Times New Roman" panose="02020603050405020304" pitchFamily="18" charset="0"/>
+              <a:cs typeface="Times New Roman" panose="02020603050405020304" pitchFamily="18" charset="0"/>
+            </a:endParaRPr>
           </a:p>
           <a:p>
             <a:pPr marL="457200" lvl="0" indent="-457200" eaLnBrk="0" fontAlgn="base" hangingPunct="0">
@@ -10651,6 +10934,13 @@
               </a:rPr>
               <a:t>. This is why individual file and directory names cannot themselves contain slashes – slashes are used to separate the names in pathname text strings.</a:t>
             </a:r>
+            <a:endParaRPr lang="en-US" sz="2400" dirty="0">
+              <a:solidFill>
+                <a:srgbClr val="000000"/>
+              </a:solidFill>
+              <a:latin typeface="Times New Roman" panose="02020603050405020304" pitchFamily="18" charset="0"/>
+              <a:cs typeface="Times New Roman" panose="02020603050405020304" pitchFamily="18" charset="0"/>
+            </a:endParaRPr>
           </a:p>
           <a:p>
             <a:pPr marL="457200" lvl="0" indent="-457200" eaLnBrk="0" fontAlgn="base" hangingPunct="0">
@@ -10675,11 +10965,6 @@
         </p:txBody>
       </p:sp>
     </p:spTree>
-    <p:extLst>
-      <p:ext uri="{BB962C8B-B14F-4D97-AF65-F5344CB8AC3E}">
-        <p14:creationId xmlns:p14="http://schemas.microsoft.com/office/powerpoint/2010/main" val="1754058592"/>
-      </p:ext>
-    </p:extLst>
   </p:cSld>
   <p:clrMapOvr>
     <a:masterClrMapping/>
@@ -10736,6 +11021,7 @@
               <a:rPr lang="en-IN" dirty="0"/>
               <a:t>Introduction to the File System </a:t>
             </a:r>
+            <a:endParaRPr lang="en-IN" dirty="0"/>
           </a:p>
         </p:txBody>
       </p:sp>
@@ -10820,9 +11106,6 @@
         </p:spPr>
         <p:txBody>
           <a:bodyPr vert="horz" wrap="none" lIns="317400" tIns="45720" rIns="91440" bIns="45720" numCol="1" anchor="ctr" anchorCtr="0" compatLnSpc="1">
-            <a:prstTxWarp prst="textNoShape">
-              <a:avLst/>
-            </a:prstTxWarp>
             <a:spAutoFit/>
           </a:bodyPr>
           <a:lstStyle>
@@ -10968,7 +11251,6 @@
               <a:buSzTx/>
               <a:buFontTx/>
               <a:buNone/>
-              <a:tabLst/>
             </a:pPr>
             <a:endParaRPr kumimoji="0" lang="en-US" sz="1800" b="0" i="0" u="none" strike="noStrike" cap="none" normalizeH="0" baseline="0" dirty="0">
               <a:ln>
@@ -11030,9 +11312,6 @@
         </p:spPr>
         <p:txBody>
           <a:bodyPr vert="horz" wrap="none" lIns="126960" tIns="45720" rIns="91440" bIns="45720" numCol="1" anchor="ctr" anchorCtr="0" compatLnSpc="1">
-            <a:prstTxWarp prst="textNoShape">
-              <a:avLst/>
-            </a:prstTxWarp>
             <a:spAutoFit/>
           </a:bodyPr>
           <a:lstStyle/>
@@ -11051,7 +11330,6 @@
               <a:buSzTx/>
               <a:buFontTx/>
               <a:buNone/>
-              <a:tabLst/>
             </a:pPr>
             <a:endParaRPr kumimoji="0" lang="en-US" sz="1400" b="1" i="1" u="none" strike="noStrike" cap="none" normalizeH="0" baseline="0" dirty="0">
               <a:ln>
@@ -11069,7 +11347,7 @@
       <p:pic>
         <p:nvPicPr>
           <p:cNvPr id="6146" name="Picture 2" descr="up to index">
-            <a:hlinkClick r:id="rId2"/>
+            <a:hlinkClick r:id="rId1"/>
           </p:cNvPr>
           <p:cNvPicPr>
             <a:picLocks noChangeAspect="1" noChangeArrowheads="1"/>
@@ -11077,7 +11355,7 @@
           <p:nvPr/>
         </p:nvPicPr>
         <p:blipFill>
-          <a:blip r:embed="rId3">
+          <a:blip r:embed="rId2">
             <a:extLst>
               <a:ext uri="{28A0092B-C50C-407E-A947-70E740481C1C}">
                 <a14:useLocalDpi xmlns:a14="http://schemas.microsoft.com/office/drawing/2010/main" val="0"/>
@@ -11112,7 +11390,7 @@
       <p:pic>
         <p:nvPicPr>
           <p:cNvPr id="6147" name="Picture 3" descr="up to index">
-            <a:hlinkClick r:id="rId2"/>
+            <a:hlinkClick r:id="rId1"/>
           </p:cNvPr>
           <p:cNvPicPr>
             <a:picLocks noChangeAspect="1" noChangeArrowheads="1"/>
@@ -11120,7 +11398,7 @@
           <p:nvPr/>
         </p:nvPicPr>
         <p:blipFill>
-          <a:blip r:embed="rId3">
+          <a:blip r:embed="rId2">
             <a:extLst>
               <a:ext uri="{28A0092B-C50C-407E-A947-70E740481C1C}">
                 <a14:useLocalDpi xmlns:a14="http://schemas.microsoft.com/office/drawing/2010/main" val="0"/>
@@ -11197,6 +11475,10 @@
               </a:rPr>
               <a:t>Destination object may be file, directory, or other</a:t>
             </a:r>
+            <a:endParaRPr lang="en-US" sz="2200" b="1" dirty="0">
+              <a:latin typeface="Times New Roman" panose="02020603050405020304" pitchFamily="18" charset="0"/>
+              <a:cs typeface="Times New Roman" panose="02020603050405020304" pitchFamily="18" charset="0"/>
+            </a:endParaRPr>
           </a:p>
           <a:p>
             <a:pPr marL="342900" lvl="0" indent="-342900" eaLnBrk="0" fontAlgn="base" hangingPunct="0">
@@ -11281,6 +11563,10 @@
               </a:rPr>
               <a:t>must be directories.</a:t>
             </a:r>
+            <a:endParaRPr lang="en-US" sz="2200" b="1" dirty="0">
+              <a:latin typeface="Times New Roman" panose="02020603050405020304" pitchFamily="18" charset="0"/>
+              <a:cs typeface="Times New Roman" panose="02020603050405020304" pitchFamily="18" charset="0"/>
+            </a:endParaRPr>
           </a:p>
           <a:p>
             <a:pPr marL="342900" lvl="0" indent="-342900" eaLnBrk="0" fontAlgn="base" hangingPunct="0">
@@ -11304,7 +11590,7 @@
               <a:rPr lang="en-US" sz="2200" b="1" dirty="0">
                 <a:latin typeface="Times New Roman" panose="02020603050405020304" pitchFamily="18" charset="0"/>
                 <a:cs typeface="Times New Roman" panose="02020603050405020304" pitchFamily="18" charset="0"/>
-                <a:hlinkClick r:id="rId2"/>
+                <a:hlinkClick r:id="rId1"/>
               </a:rPr>
               <a:t> </a:t>
             </a:r>
@@ -11380,6 +11666,10 @@
               </a:rPr>
               <a:t>are valid names and don’t need any slashes.</a:t>
             </a:r>
+            <a:endParaRPr lang="en-US" sz="2200" b="1" dirty="0">
+              <a:latin typeface="Times New Roman" panose="02020603050405020304" pitchFamily="18" charset="0"/>
+              <a:cs typeface="Times New Roman" panose="02020603050405020304" pitchFamily="18" charset="0"/>
+            </a:endParaRPr>
           </a:p>
           <a:p>
             <a:pPr marL="342900" lvl="0" indent="-342900" eaLnBrk="0" fontAlgn="base" hangingPunct="0">
@@ -11399,6 +11689,10 @@
               </a:rPr>
               <a:t>Slashes are only used to separate name components in a pathname; an individual name component can never itself contain a slash. Slashes are never part of a name component; they separate the names in a pathname.</a:t>
             </a:r>
+            <a:endParaRPr lang="en-US" sz="2200" b="1" dirty="0">
+              <a:latin typeface="Times New Roman" panose="02020603050405020304" pitchFamily="18" charset="0"/>
+              <a:cs typeface="Times New Roman" panose="02020603050405020304" pitchFamily="18" charset="0"/>
+            </a:endParaRPr>
           </a:p>
           <a:p>
             <a:pPr marL="342900" lvl="0" indent="-342900" eaLnBrk="0" fontAlgn="base" hangingPunct="0">
@@ -11418,15 +11712,14 @@
               </a:rPr>
               <a:t>A Linux pathname text string has an overall limit of 4,096 characters including all the individual names and all the separating slashes. Older Unix systems have a smaller limit.</a:t>
             </a:r>
+            <a:endParaRPr lang="en-US" sz="2200" b="1" dirty="0">
+              <a:latin typeface="Times New Roman" panose="02020603050405020304" pitchFamily="18" charset="0"/>
+              <a:cs typeface="Times New Roman" panose="02020603050405020304" pitchFamily="18" charset="0"/>
+            </a:endParaRPr>
           </a:p>
         </p:txBody>
       </p:sp>
     </p:spTree>
-    <p:extLst>
-      <p:ext uri="{BB962C8B-B14F-4D97-AF65-F5344CB8AC3E}">
-        <p14:creationId xmlns:p14="http://schemas.microsoft.com/office/powerpoint/2010/main" val="106961745"/>
-      </p:ext>
-    </p:extLst>
   </p:cSld>
   <p:clrMapOvr>
     <a:masterClrMapping/>
@@ -11477,7 +11770,7 @@
     </a:clrScheme>
     <a:fontScheme name="Office">
       <a:majorFont>
-        <a:latin typeface="Calibri Light" panose="020F0302020204030204"/>
+        <a:latin typeface="Calibri Light"/>
         <a:ea typeface=""/>
         <a:cs typeface=""/>
         <a:font script="Jpan" typeface="ＭＳ Ｐゴシック"/>
@@ -11512,7 +11805,7 @@
         <a:font script="Geor" typeface="Sylfaen"/>
       </a:majorFont>
       <a:minorFont>
-        <a:latin typeface="Calibri" panose="020F0502020204030204"/>
+        <a:latin typeface="Calibri"/>
         <a:ea typeface=""/>
         <a:cs typeface=""/>
         <a:font script="Jpan" typeface="ＭＳ Ｐゴシック"/>
@@ -11685,8 +11978,6 @@
       </a:bgFillStyleLst>
     </a:fmtScheme>
   </a:themeElements>
-  <a:objectDefaults/>
-  <a:extraClrSchemeLst/>
   <a:extLst>
     <a:ext uri="{05A4C25C-085E-4340-85A3-A5531E510DB2}">
       <thm15:themeFamily xmlns:thm15="http://schemas.microsoft.com/office/thememl/2012/main" name="Office Theme" id="{62F939B6-93AF-4DB8-9C6B-D6C7DFDC589F}" vid="{4A3C46E8-61CC-4603-A589-7422A47A8E4A}"/>
